--- a/Project Files/Cube Runner.pptx
+++ b/Project Files/Cube Runner.pptx
@@ -1,26 +1,26 @@
 
 <file path=ppt/presentation.xml><?xml version="1.0" encoding="utf-8"?>
-<p:presentation xmlns:a="http://schemas.openxmlformats.org/drawingml/2006/main" xmlns:r="http://schemas.openxmlformats.org/officeDocument/2006/relationships" xmlns:p="http://schemas.openxmlformats.org/presentationml/2006/main" saveSubsetFonts="1" embedTrueTypeFonts="true">
+<p:presentation xmlns:a="http://schemas.openxmlformats.org/drawingml/2006/main" xmlns:r="http://schemas.openxmlformats.org/officeDocument/2006/relationships" xmlns:p="http://schemas.openxmlformats.org/presentationml/2006/main" embedTrueTypeFonts="1" saveSubsetFonts="1">
   <p:sldMasterIdLst>
     <p:sldMasterId id="2147483648" r:id="rId1"/>
   </p:sldMasterIdLst>
   <p:sldIdLst>
-    <p:sldId id="256" r:id="rId6"/>
-    <p:sldId id="257" r:id="rId7"/>
-    <p:sldId id="258" r:id="rId8"/>
-    <p:sldId id="259" r:id="rId9"/>
-    <p:sldId id="260" r:id="rId10"/>
+    <p:sldId id="256" r:id="rId2"/>
+    <p:sldId id="257" r:id="rId3"/>
+    <p:sldId id="258" r:id="rId4"/>
+    <p:sldId id="259" r:id="rId5"/>
+    <p:sldId id="260" r:id="rId6"/>
   </p:sldIdLst>
   <p:sldSz cx="18288000" cy="10287000"/>
   <p:notesSz cx="6858000" cy="9144000"/>
   <p:embeddedFontLst>
     <p:embeddedFont>
-      <p:font typeface="Montserrat Bold" charset="1" panose="00000800000000000000"/>
-      <p:regular r:id="rId11"/>
+      <p:font typeface="Montserrat" panose="00000500000000000000" pitchFamily="2" charset="0"/>
+      <p:regular r:id="rId7"/>
     </p:embeddedFont>
     <p:embeddedFont>
-      <p:font typeface="Montserrat" charset="1" panose="00000500000000000000"/>
-      <p:regular r:id="rId12"/>
+      <p:font typeface="Montserrat Bold" panose="00000800000000000000" charset="0"/>
+      <p:regular r:id="rId8"/>
     </p:embeddedFont>
   </p:embeddedFontLst>
   <p:defaultTextStyle>
@@ -118,7 +118,67 @@
       </a:defRPr>
     </a:lvl9pPr>
   </p:defaultTextStyle>
+  <p:extLst>
+    <p:ext uri="{EFAFB233-063F-42B5-8137-9DF3F51BA10A}">
+      <p15:sldGuideLst xmlns:p15="http://schemas.microsoft.com/office/powerpoint/2012/main">
+        <p15:guide id="1" orient="horz" pos="2160">
+          <p15:clr>
+            <a:srgbClr val="A4A3A4"/>
+          </p15:clr>
+        </p15:guide>
+        <p15:guide id="2" pos="2880">
+          <p15:clr>
+            <a:srgbClr val="A4A3A4"/>
+          </p15:clr>
+        </p15:guide>
+      </p15:sldGuideLst>
+    </p:ext>
+  </p:extLst>
 </p:presentation>
+</file>
+
+<file path=ppt/changesInfos/changesInfo1.xml><?xml version="1.0" encoding="utf-8"?>
+<pc:chgInfo xmlns:a="http://schemas.openxmlformats.org/drawingml/2006/main" xmlns:r="http://schemas.openxmlformats.org/officeDocument/2006/relationships" xmlns:ac="http://schemas.microsoft.com/office/drawing/2013/main/command" xmlns:pc="http://schemas.microsoft.com/office/powerpoint/2013/main/command">
+  <pc:docChgLst>
+    <pc:chgData name="Tomás Fonseca" userId="66187102db326a26" providerId="LiveId" clId="{F99F29A2-8612-4D79-B5FF-62441179AD9B}"/>
+    <pc:docChg chg="modSld">
+      <pc:chgData name="Tomás Fonseca" userId="66187102db326a26" providerId="LiveId" clId="{F99F29A2-8612-4D79-B5FF-62441179AD9B}" dt="2025-04-10T02:43:15.847" v="3" actId="790"/>
+      <pc:docMkLst>
+        <pc:docMk/>
+      </pc:docMkLst>
+      <pc:sldChg chg="modSp mod">
+        <pc:chgData name="Tomás Fonseca" userId="66187102db326a26" providerId="LiveId" clId="{F99F29A2-8612-4D79-B5FF-62441179AD9B}" dt="2025-04-10T02:41:09.005" v="1" actId="20577"/>
+        <pc:sldMkLst>
+          <pc:docMk/>
+          <pc:sldMk cId="0" sldId="258"/>
+        </pc:sldMkLst>
+        <pc:spChg chg="mod">
+          <ac:chgData name="Tomás Fonseca" userId="66187102db326a26" providerId="LiveId" clId="{F99F29A2-8612-4D79-B5FF-62441179AD9B}" dt="2025-04-10T02:41:09.005" v="1" actId="20577"/>
+          <ac:spMkLst>
+            <pc:docMk/>
+            <pc:sldMk cId="0" sldId="258"/>
+            <ac:spMk id="18" creationId="{00000000-0000-0000-0000-000000000000}"/>
+          </ac:spMkLst>
+        </pc:spChg>
+      </pc:sldChg>
+      <pc:sldChg chg="modSp mod">
+        <pc:chgData name="Tomás Fonseca" userId="66187102db326a26" providerId="LiveId" clId="{F99F29A2-8612-4D79-B5FF-62441179AD9B}" dt="2025-04-10T02:43:15.847" v="3" actId="790"/>
+        <pc:sldMkLst>
+          <pc:docMk/>
+          <pc:sldMk cId="0" sldId="259"/>
+        </pc:sldMkLst>
+        <pc:spChg chg="mod">
+          <ac:chgData name="Tomás Fonseca" userId="66187102db326a26" providerId="LiveId" clId="{F99F29A2-8612-4D79-B5FF-62441179AD9B}" dt="2025-04-10T02:43:15.847" v="3" actId="790"/>
+          <ac:spMkLst>
+            <pc:docMk/>
+            <pc:sldMk cId="0" sldId="259"/>
+            <ac:spMk id="16" creationId="{00000000-0000-0000-0000-000000000000}"/>
+          </ac:spMkLst>
+        </pc:spChg>
+      </pc:sldChg>
+    </pc:docChg>
+  </pc:docChgLst>
+</pc:chgInfo>
 </file>
 
 <file path=ppt/slideLayouts/slideLayout1.xml><?xml version="1.0" encoding="utf-8"?>
@@ -159,10 +219,9 @@
           <a:lstStyle/>
           <a:p>
             <a:r>
-              <a:rPr lang="en-US" smtClean="0"/>
+              <a:rPr lang="en-US"/>
               <a:t>Click to edit Master title style</a:t>
             </a:r>
-            <a:endParaRPr lang="en-US"/>
           </a:p>
         </p:txBody>
       </p:sp>
@@ -278,10 +337,9 @@
           </a:lstStyle>
           <a:p>
             <a:r>
-              <a:rPr lang="en-US" smtClean="0"/>
+              <a:rPr lang="en-US"/>
               <a:t>Click to edit Master subtitle style</a:t>
             </a:r>
-            <a:endParaRPr lang="en-US"/>
           </a:p>
         </p:txBody>
       </p:sp>
@@ -303,7 +361,7 @@
             <a:fld id="{1D8BD707-D9CF-40AE-B4C6-C98DA3205C09}" type="datetimeFigureOut">
               <a:rPr lang="en-US" smtClean="0"/>
               <a:pPr/>
-              <a:t>8/1/2011</a:t>
+              <a:t>4/10/2025</a:t>
             </a:fld>
             <a:endParaRPr lang="en-US"/>
           </a:p>
@@ -346,7 +404,7 @@
             <a:fld id="{B6F15528-21DE-4FAA-801E-634DDDAF4B2B}" type="slidenum">
               <a:rPr lang="en-US" smtClean="0"/>
               <a:pPr/>
-              <a:t>‹#›</a:t>
+              <a:t>‹nº›</a:t>
             </a:fld>
             <a:endParaRPr lang="en-US"/>
           </a:p>
@@ -393,10 +451,9 @@
           <a:lstStyle/>
           <a:p>
             <a:r>
-              <a:rPr lang="en-US" smtClean="0"/>
+              <a:rPr lang="en-US"/>
               <a:t>Click to edit Master title style</a:t>
             </a:r>
-            <a:endParaRPr lang="en-US"/>
           </a:p>
         </p:txBody>
       </p:sp>
@@ -417,38 +474,37 @@
           <a:p>
             <a:pPr lvl="0"/>
             <a:r>
-              <a:rPr lang="en-US" smtClean="0"/>
+              <a:rPr lang="en-US"/>
               <a:t>Click to edit Master text styles</a:t>
             </a:r>
           </a:p>
           <a:p>
             <a:pPr lvl="1"/>
             <a:r>
-              <a:rPr lang="en-US" smtClean="0"/>
+              <a:rPr lang="en-US"/>
               <a:t>Second level</a:t>
             </a:r>
           </a:p>
           <a:p>
             <a:pPr lvl="2"/>
             <a:r>
-              <a:rPr lang="en-US" smtClean="0"/>
+              <a:rPr lang="en-US"/>
               <a:t>Third level</a:t>
             </a:r>
           </a:p>
           <a:p>
             <a:pPr lvl="3"/>
             <a:r>
-              <a:rPr lang="en-US" smtClean="0"/>
+              <a:rPr lang="en-US"/>
               <a:t>Fourth level</a:t>
             </a:r>
           </a:p>
           <a:p>
             <a:pPr lvl="4"/>
             <a:r>
-              <a:rPr lang="en-US" smtClean="0"/>
+              <a:rPr lang="en-US"/>
               <a:t>Fifth level</a:t>
             </a:r>
-            <a:endParaRPr lang="en-US"/>
           </a:p>
         </p:txBody>
       </p:sp>
@@ -470,7 +526,7 @@
             <a:fld id="{1D8BD707-D9CF-40AE-B4C6-C98DA3205C09}" type="datetimeFigureOut">
               <a:rPr lang="en-US" smtClean="0"/>
               <a:pPr/>
-              <a:t>8/1/2011</a:t>
+              <a:t>4/10/2025</a:t>
             </a:fld>
             <a:endParaRPr lang="en-US"/>
           </a:p>
@@ -513,7 +569,7 @@
             <a:fld id="{B6F15528-21DE-4FAA-801E-634DDDAF4B2B}" type="slidenum">
               <a:rPr lang="en-US" smtClean="0"/>
               <a:pPr/>
-              <a:t>‹#›</a:t>
+              <a:t>‹nº›</a:t>
             </a:fld>
             <a:endParaRPr lang="en-US"/>
           </a:p>
@@ -565,10 +621,9 @@
           <a:lstStyle/>
           <a:p>
             <a:r>
-              <a:rPr lang="en-US" smtClean="0"/>
+              <a:rPr lang="en-US"/>
               <a:t>Click to edit Master title style</a:t>
             </a:r>
-            <a:endParaRPr lang="en-US"/>
           </a:p>
         </p:txBody>
       </p:sp>
@@ -594,38 +649,37 @@
           <a:p>
             <a:pPr lvl="0"/>
             <a:r>
-              <a:rPr lang="en-US" smtClean="0"/>
+              <a:rPr lang="en-US"/>
               <a:t>Click to edit Master text styles</a:t>
             </a:r>
           </a:p>
           <a:p>
             <a:pPr lvl="1"/>
             <a:r>
-              <a:rPr lang="en-US" smtClean="0"/>
+              <a:rPr lang="en-US"/>
               <a:t>Second level</a:t>
             </a:r>
           </a:p>
           <a:p>
             <a:pPr lvl="2"/>
             <a:r>
-              <a:rPr lang="en-US" smtClean="0"/>
+              <a:rPr lang="en-US"/>
               <a:t>Third level</a:t>
             </a:r>
           </a:p>
           <a:p>
             <a:pPr lvl="3"/>
             <a:r>
-              <a:rPr lang="en-US" smtClean="0"/>
+              <a:rPr lang="en-US"/>
               <a:t>Fourth level</a:t>
             </a:r>
           </a:p>
           <a:p>
             <a:pPr lvl="4"/>
             <a:r>
-              <a:rPr lang="en-US" smtClean="0"/>
+              <a:rPr lang="en-US"/>
               <a:t>Fifth level</a:t>
             </a:r>
-            <a:endParaRPr lang="en-US"/>
           </a:p>
         </p:txBody>
       </p:sp>
@@ -647,7 +701,7 @@
             <a:fld id="{1D8BD707-D9CF-40AE-B4C6-C98DA3205C09}" type="datetimeFigureOut">
               <a:rPr lang="en-US" smtClean="0"/>
               <a:pPr/>
-              <a:t>8/1/2011</a:t>
+              <a:t>4/10/2025</a:t>
             </a:fld>
             <a:endParaRPr lang="en-US"/>
           </a:p>
@@ -690,7 +744,7 @@
             <a:fld id="{B6F15528-21DE-4FAA-801E-634DDDAF4B2B}" type="slidenum">
               <a:rPr lang="en-US" smtClean="0"/>
               <a:pPr/>
-              <a:t>‹#›</a:t>
+              <a:t>‹nº›</a:t>
             </a:fld>
             <a:endParaRPr lang="en-US"/>
           </a:p>
@@ -737,10 +791,9 @@
           <a:lstStyle/>
           <a:p>
             <a:r>
-              <a:rPr lang="en-US" smtClean="0"/>
+              <a:rPr lang="en-US"/>
               <a:t>Click to edit Master title style</a:t>
             </a:r>
-            <a:endParaRPr lang="en-US"/>
           </a:p>
         </p:txBody>
       </p:sp>
@@ -761,38 +814,37 @@
           <a:p>
             <a:pPr lvl="0"/>
             <a:r>
-              <a:rPr lang="en-US" smtClean="0"/>
+              <a:rPr lang="en-US"/>
               <a:t>Click to edit Master text styles</a:t>
             </a:r>
           </a:p>
           <a:p>
             <a:pPr lvl="1"/>
             <a:r>
-              <a:rPr lang="en-US" smtClean="0"/>
+              <a:rPr lang="en-US"/>
               <a:t>Second level</a:t>
             </a:r>
           </a:p>
           <a:p>
             <a:pPr lvl="2"/>
             <a:r>
-              <a:rPr lang="en-US" smtClean="0"/>
+              <a:rPr lang="en-US"/>
               <a:t>Third level</a:t>
             </a:r>
           </a:p>
           <a:p>
             <a:pPr lvl="3"/>
             <a:r>
-              <a:rPr lang="en-US" smtClean="0"/>
+              <a:rPr lang="en-US"/>
               <a:t>Fourth level</a:t>
             </a:r>
           </a:p>
           <a:p>
             <a:pPr lvl="4"/>
             <a:r>
-              <a:rPr lang="en-US" smtClean="0"/>
+              <a:rPr lang="en-US"/>
               <a:t>Fifth level</a:t>
             </a:r>
-            <a:endParaRPr lang="en-US"/>
           </a:p>
         </p:txBody>
       </p:sp>
@@ -814,7 +866,7 @@
             <a:fld id="{1D8BD707-D9CF-40AE-B4C6-C98DA3205C09}" type="datetimeFigureOut">
               <a:rPr lang="en-US" smtClean="0"/>
               <a:pPr/>
-              <a:t>8/1/2011</a:t>
+              <a:t>4/10/2025</a:t>
             </a:fld>
             <a:endParaRPr lang="en-US"/>
           </a:p>
@@ -857,7 +909,7 @@
             <a:fld id="{B6F15528-21DE-4FAA-801E-634DDDAF4B2B}" type="slidenum">
               <a:rPr lang="en-US" smtClean="0"/>
               <a:pPr/>
-              <a:t>‹#›</a:t>
+              <a:t>‹nº›</a:t>
             </a:fld>
             <a:endParaRPr lang="en-US"/>
           </a:p>
@@ -913,10 +965,9 @@
           </a:lstStyle>
           <a:p>
             <a:r>
-              <a:rPr lang="en-US" smtClean="0"/>
+              <a:rPr lang="en-US"/>
               <a:t>Click to edit Master title style</a:t>
             </a:r>
-            <a:endParaRPr lang="en-US"/>
           </a:p>
         </p:txBody>
       </p:sp>
@@ -1033,7 +1084,7 @@
           <a:p>
             <a:pPr lvl="0"/>
             <a:r>
-              <a:rPr lang="en-US" smtClean="0"/>
+              <a:rPr lang="en-US"/>
               <a:t>Click to edit Master text styles</a:t>
             </a:r>
           </a:p>
@@ -1057,7 +1108,7 @@
             <a:fld id="{1D8BD707-D9CF-40AE-B4C6-C98DA3205C09}" type="datetimeFigureOut">
               <a:rPr lang="en-US" smtClean="0"/>
               <a:pPr/>
-              <a:t>8/1/2011</a:t>
+              <a:t>4/10/2025</a:t>
             </a:fld>
             <a:endParaRPr lang="en-US"/>
           </a:p>
@@ -1100,7 +1151,7 @@
             <a:fld id="{B6F15528-21DE-4FAA-801E-634DDDAF4B2B}" type="slidenum">
               <a:rPr lang="en-US" smtClean="0"/>
               <a:pPr/>
-              <a:t>‹#›</a:t>
+              <a:t>‹nº›</a:t>
             </a:fld>
             <a:endParaRPr lang="en-US"/>
           </a:p>
@@ -1147,10 +1198,9 @@
           <a:lstStyle/>
           <a:p>
             <a:r>
-              <a:rPr lang="en-US" smtClean="0"/>
+              <a:rPr lang="en-US"/>
               <a:t>Click to edit Master title style</a:t>
             </a:r>
-            <a:endParaRPr lang="en-US"/>
           </a:p>
         </p:txBody>
       </p:sp>
@@ -1204,38 +1254,37 @@
           <a:p>
             <a:pPr lvl="0"/>
             <a:r>
-              <a:rPr lang="en-US" smtClean="0"/>
+              <a:rPr lang="en-US"/>
               <a:t>Click to edit Master text styles</a:t>
             </a:r>
           </a:p>
           <a:p>
             <a:pPr lvl="1"/>
             <a:r>
-              <a:rPr lang="en-US" smtClean="0"/>
+              <a:rPr lang="en-US"/>
               <a:t>Second level</a:t>
             </a:r>
           </a:p>
           <a:p>
             <a:pPr lvl="2"/>
             <a:r>
-              <a:rPr lang="en-US" smtClean="0"/>
+              <a:rPr lang="en-US"/>
               <a:t>Third level</a:t>
             </a:r>
           </a:p>
           <a:p>
             <a:pPr lvl="3"/>
             <a:r>
-              <a:rPr lang="en-US" smtClean="0"/>
+              <a:rPr lang="en-US"/>
               <a:t>Fourth level</a:t>
             </a:r>
           </a:p>
           <a:p>
             <a:pPr lvl="4"/>
             <a:r>
-              <a:rPr lang="en-US" smtClean="0"/>
+              <a:rPr lang="en-US"/>
               <a:t>Fifth level</a:t>
             </a:r>
-            <a:endParaRPr lang="en-US"/>
           </a:p>
         </p:txBody>
       </p:sp>
@@ -1289,38 +1338,37 @@
           <a:p>
             <a:pPr lvl="0"/>
             <a:r>
-              <a:rPr lang="en-US" smtClean="0"/>
+              <a:rPr lang="en-US"/>
               <a:t>Click to edit Master text styles</a:t>
             </a:r>
           </a:p>
           <a:p>
             <a:pPr lvl="1"/>
             <a:r>
-              <a:rPr lang="en-US" smtClean="0"/>
+              <a:rPr lang="en-US"/>
               <a:t>Second level</a:t>
             </a:r>
           </a:p>
           <a:p>
             <a:pPr lvl="2"/>
             <a:r>
-              <a:rPr lang="en-US" smtClean="0"/>
+              <a:rPr lang="en-US"/>
               <a:t>Third level</a:t>
             </a:r>
           </a:p>
           <a:p>
             <a:pPr lvl="3"/>
             <a:r>
-              <a:rPr lang="en-US" smtClean="0"/>
+              <a:rPr lang="en-US"/>
               <a:t>Fourth level</a:t>
             </a:r>
           </a:p>
           <a:p>
             <a:pPr lvl="4"/>
             <a:r>
-              <a:rPr lang="en-US" smtClean="0"/>
+              <a:rPr lang="en-US"/>
               <a:t>Fifth level</a:t>
             </a:r>
-            <a:endParaRPr lang="en-US"/>
           </a:p>
         </p:txBody>
       </p:sp>
@@ -1342,7 +1390,7 @@
             <a:fld id="{1D8BD707-D9CF-40AE-B4C6-C98DA3205C09}" type="datetimeFigureOut">
               <a:rPr lang="en-US" smtClean="0"/>
               <a:pPr/>
-              <a:t>8/1/2011</a:t>
+              <a:t>4/10/2025</a:t>
             </a:fld>
             <a:endParaRPr lang="en-US"/>
           </a:p>
@@ -1385,7 +1433,7 @@
             <a:fld id="{B6F15528-21DE-4FAA-801E-634DDDAF4B2B}" type="slidenum">
               <a:rPr lang="en-US" smtClean="0"/>
               <a:pPr/>
-              <a:t>‹#›</a:t>
+              <a:t>‹nº›</a:t>
             </a:fld>
             <a:endParaRPr lang="en-US"/>
           </a:p>
@@ -1436,10 +1484,9 @@
           </a:lstStyle>
           <a:p>
             <a:r>
-              <a:rPr lang="en-US" smtClean="0"/>
+              <a:rPr lang="en-US"/>
               <a:t>Click to edit Master title style</a:t>
             </a:r>
-            <a:endParaRPr lang="en-US"/>
           </a:p>
         </p:txBody>
       </p:sp>
@@ -1502,7 +1549,7 @@
           <a:p>
             <a:pPr lvl="0"/>
             <a:r>
-              <a:rPr lang="en-US" smtClean="0"/>
+              <a:rPr lang="en-US"/>
               <a:t>Click to edit Master text styles</a:t>
             </a:r>
           </a:p>
@@ -1558,38 +1605,37 @@
           <a:p>
             <a:pPr lvl="0"/>
             <a:r>
-              <a:rPr lang="en-US" smtClean="0"/>
+              <a:rPr lang="en-US"/>
               <a:t>Click to edit Master text styles</a:t>
             </a:r>
           </a:p>
           <a:p>
             <a:pPr lvl="1"/>
             <a:r>
-              <a:rPr lang="en-US" smtClean="0"/>
+              <a:rPr lang="en-US"/>
               <a:t>Second level</a:t>
             </a:r>
           </a:p>
           <a:p>
             <a:pPr lvl="2"/>
             <a:r>
-              <a:rPr lang="en-US" smtClean="0"/>
+              <a:rPr lang="en-US"/>
               <a:t>Third level</a:t>
             </a:r>
           </a:p>
           <a:p>
             <a:pPr lvl="3"/>
             <a:r>
-              <a:rPr lang="en-US" smtClean="0"/>
+              <a:rPr lang="en-US"/>
               <a:t>Fourth level</a:t>
             </a:r>
           </a:p>
           <a:p>
             <a:pPr lvl="4"/>
             <a:r>
-              <a:rPr lang="en-US" smtClean="0"/>
+              <a:rPr lang="en-US"/>
               <a:t>Fifth level</a:t>
             </a:r>
-            <a:endParaRPr lang="en-US"/>
           </a:p>
         </p:txBody>
       </p:sp>
@@ -1652,7 +1698,7 @@
           <a:p>
             <a:pPr lvl="0"/>
             <a:r>
-              <a:rPr lang="en-US" smtClean="0"/>
+              <a:rPr lang="en-US"/>
               <a:t>Click to edit Master text styles</a:t>
             </a:r>
           </a:p>
@@ -1708,38 +1754,37 @@
           <a:p>
             <a:pPr lvl="0"/>
             <a:r>
-              <a:rPr lang="en-US" smtClean="0"/>
+              <a:rPr lang="en-US"/>
               <a:t>Click to edit Master text styles</a:t>
             </a:r>
           </a:p>
           <a:p>
             <a:pPr lvl="1"/>
             <a:r>
-              <a:rPr lang="en-US" smtClean="0"/>
+              <a:rPr lang="en-US"/>
               <a:t>Second level</a:t>
             </a:r>
           </a:p>
           <a:p>
             <a:pPr lvl="2"/>
             <a:r>
-              <a:rPr lang="en-US" smtClean="0"/>
+              <a:rPr lang="en-US"/>
               <a:t>Third level</a:t>
             </a:r>
           </a:p>
           <a:p>
             <a:pPr lvl="3"/>
             <a:r>
-              <a:rPr lang="en-US" smtClean="0"/>
+              <a:rPr lang="en-US"/>
               <a:t>Fourth level</a:t>
             </a:r>
           </a:p>
           <a:p>
             <a:pPr lvl="4"/>
             <a:r>
-              <a:rPr lang="en-US" smtClean="0"/>
+              <a:rPr lang="en-US"/>
               <a:t>Fifth level</a:t>
             </a:r>
-            <a:endParaRPr lang="en-US"/>
           </a:p>
         </p:txBody>
       </p:sp>
@@ -1761,7 +1806,7 @@
             <a:fld id="{1D8BD707-D9CF-40AE-B4C6-C98DA3205C09}" type="datetimeFigureOut">
               <a:rPr lang="en-US" smtClean="0"/>
               <a:pPr/>
-              <a:t>8/1/2011</a:t>
+              <a:t>4/10/2025</a:t>
             </a:fld>
             <a:endParaRPr lang="en-US"/>
           </a:p>
@@ -1804,7 +1849,7 @@
             <a:fld id="{B6F15528-21DE-4FAA-801E-634DDDAF4B2B}" type="slidenum">
               <a:rPr lang="en-US" smtClean="0"/>
               <a:pPr/>
-              <a:t>‹#›</a:t>
+              <a:t>‹nº›</a:t>
             </a:fld>
             <a:endParaRPr lang="en-US"/>
           </a:p>
@@ -1851,10 +1896,9 @@
           <a:lstStyle/>
           <a:p>
             <a:r>
-              <a:rPr lang="en-US" smtClean="0"/>
+              <a:rPr lang="en-US"/>
               <a:t>Click to edit Master title style</a:t>
             </a:r>
-            <a:endParaRPr lang="en-US"/>
           </a:p>
         </p:txBody>
       </p:sp>
@@ -1876,7 +1920,7 @@
             <a:fld id="{1D8BD707-D9CF-40AE-B4C6-C98DA3205C09}" type="datetimeFigureOut">
               <a:rPr lang="en-US" smtClean="0"/>
               <a:pPr/>
-              <a:t>8/1/2011</a:t>
+              <a:t>4/10/2025</a:t>
             </a:fld>
             <a:endParaRPr lang="en-US"/>
           </a:p>
@@ -1919,7 +1963,7 @@
             <a:fld id="{B6F15528-21DE-4FAA-801E-634DDDAF4B2B}" type="slidenum">
               <a:rPr lang="en-US" smtClean="0"/>
               <a:pPr/>
-              <a:t>‹#›</a:t>
+              <a:t>‹nº›</a:t>
             </a:fld>
             <a:endParaRPr lang="en-US"/>
           </a:p>
@@ -1968,7 +2012,7 @@
             <a:fld id="{1D8BD707-D9CF-40AE-B4C6-C98DA3205C09}" type="datetimeFigureOut">
               <a:rPr lang="en-US" smtClean="0"/>
               <a:pPr/>
-              <a:t>8/1/2011</a:t>
+              <a:t>4/10/2025</a:t>
             </a:fld>
             <a:endParaRPr lang="en-US"/>
           </a:p>
@@ -2011,7 +2055,7 @@
             <a:fld id="{B6F15528-21DE-4FAA-801E-634DDDAF4B2B}" type="slidenum">
               <a:rPr lang="en-US" smtClean="0"/>
               <a:pPr/>
-              <a:t>‹#›</a:t>
+              <a:t>‹nº›</a:t>
             </a:fld>
             <a:endParaRPr lang="en-US"/>
           </a:p>
@@ -2067,10 +2111,9 @@
           </a:lstStyle>
           <a:p>
             <a:r>
-              <a:rPr lang="en-US" smtClean="0"/>
+              <a:rPr lang="en-US"/>
               <a:t>Click to edit Master title style</a:t>
             </a:r>
-            <a:endParaRPr lang="en-US"/>
           </a:p>
         </p:txBody>
       </p:sp>
@@ -2124,38 +2167,37 @@
           <a:p>
             <a:pPr lvl="0"/>
             <a:r>
-              <a:rPr lang="en-US" smtClean="0"/>
+              <a:rPr lang="en-US"/>
               <a:t>Click to edit Master text styles</a:t>
             </a:r>
           </a:p>
           <a:p>
             <a:pPr lvl="1"/>
             <a:r>
-              <a:rPr lang="en-US" smtClean="0"/>
+              <a:rPr lang="en-US"/>
               <a:t>Second level</a:t>
             </a:r>
           </a:p>
           <a:p>
             <a:pPr lvl="2"/>
             <a:r>
-              <a:rPr lang="en-US" smtClean="0"/>
+              <a:rPr lang="en-US"/>
               <a:t>Third level</a:t>
             </a:r>
           </a:p>
           <a:p>
             <a:pPr lvl="3"/>
             <a:r>
-              <a:rPr lang="en-US" smtClean="0"/>
+              <a:rPr lang="en-US"/>
               <a:t>Fourth level</a:t>
             </a:r>
           </a:p>
           <a:p>
             <a:pPr lvl="4"/>
             <a:r>
-              <a:rPr lang="en-US" smtClean="0"/>
+              <a:rPr lang="en-US"/>
               <a:t>Fifth level</a:t>
             </a:r>
-            <a:endParaRPr lang="en-US"/>
           </a:p>
         </p:txBody>
       </p:sp>
@@ -2218,7 +2260,7 @@
           <a:p>
             <a:pPr lvl="0"/>
             <a:r>
-              <a:rPr lang="en-US" smtClean="0"/>
+              <a:rPr lang="en-US"/>
               <a:t>Click to edit Master text styles</a:t>
             </a:r>
           </a:p>
@@ -2242,7 +2284,7 @@
             <a:fld id="{1D8BD707-D9CF-40AE-B4C6-C98DA3205C09}" type="datetimeFigureOut">
               <a:rPr lang="en-US" smtClean="0"/>
               <a:pPr/>
-              <a:t>8/1/2011</a:t>
+              <a:t>4/10/2025</a:t>
             </a:fld>
             <a:endParaRPr lang="en-US"/>
           </a:p>
@@ -2285,7 +2327,7 @@
             <a:fld id="{B6F15528-21DE-4FAA-801E-634DDDAF4B2B}" type="slidenum">
               <a:rPr lang="en-US" smtClean="0"/>
               <a:pPr/>
-              <a:t>‹#›</a:t>
+              <a:t>‹nº›</a:t>
             </a:fld>
             <a:endParaRPr lang="en-US"/>
           </a:p>
@@ -2341,10 +2383,9 @@
           </a:lstStyle>
           <a:p>
             <a:r>
-              <a:rPr lang="en-US" smtClean="0"/>
+              <a:rPr lang="en-US"/>
               <a:t>Click to edit Master title style</a:t>
             </a:r>
-            <a:endParaRPr lang="en-US"/>
           </a:p>
         </p:txBody>
       </p:sp>
@@ -2468,7 +2509,7 @@
           <a:p>
             <a:pPr lvl="0"/>
             <a:r>
-              <a:rPr lang="en-US" smtClean="0"/>
+              <a:rPr lang="en-US"/>
               <a:t>Click to edit Master text styles</a:t>
             </a:r>
           </a:p>
@@ -2492,7 +2533,7 @@
             <a:fld id="{1D8BD707-D9CF-40AE-B4C6-C98DA3205C09}" type="datetimeFigureOut">
               <a:rPr lang="en-US" smtClean="0"/>
               <a:pPr/>
-              <a:t>8/1/2011</a:t>
+              <a:t>4/10/2025</a:t>
             </a:fld>
             <a:endParaRPr lang="en-US"/>
           </a:p>
@@ -2535,7 +2576,7 @@
             <a:fld id="{B6F15528-21DE-4FAA-801E-634DDDAF4B2B}" type="slidenum">
               <a:rPr lang="en-US" smtClean="0"/>
               <a:pPr/>
-              <a:t>‹#›</a:t>
+              <a:t>‹nº›</a:t>
             </a:fld>
             <a:endParaRPr lang="en-US"/>
           </a:p>
@@ -2597,10 +2638,9 @@
           <a:lstStyle/>
           <a:p>
             <a:r>
-              <a:rPr lang="en-US" smtClean="0"/>
+              <a:rPr lang="en-US"/>
               <a:t>Click to edit Master title style</a:t>
             </a:r>
-            <a:endParaRPr lang="en-US"/>
           </a:p>
         </p:txBody>
       </p:sp>
@@ -2631,38 +2671,37 @@
           <a:p>
             <a:pPr lvl="0"/>
             <a:r>
-              <a:rPr lang="en-US" smtClean="0"/>
+              <a:rPr lang="en-US"/>
               <a:t>Click to edit Master text styles</a:t>
             </a:r>
           </a:p>
           <a:p>
             <a:pPr lvl="1"/>
             <a:r>
-              <a:rPr lang="en-US" smtClean="0"/>
+              <a:rPr lang="en-US"/>
               <a:t>Second level</a:t>
             </a:r>
           </a:p>
           <a:p>
             <a:pPr lvl="2"/>
             <a:r>
-              <a:rPr lang="en-US" smtClean="0"/>
+              <a:rPr lang="en-US"/>
               <a:t>Third level</a:t>
             </a:r>
           </a:p>
           <a:p>
             <a:pPr lvl="3"/>
             <a:r>
-              <a:rPr lang="en-US" smtClean="0"/>
+              <a:rPr lang="en-US"/>
               <a:t>Fourth level</a:t>
             </a:r>
           </a:p>
           <a:p>
             <a:pPr lvl="4"/>
             <a:r>
-              <a:rPr lang="en-US" smtClean="0"/>
+              <a:rPr lang="en-US"/>
               <a:t>Fifth level</a:t>
             </a:r>
-            <a:endParaRPr lang="en-US"/>
           </a:p>
         </p:txBody>
       </p:sp>
@@ -2702,7 +2741,7 @@
             <a:fld id="{1D8BD707-D9CF-40AE-B4C6-C98DA3205C09}" type="datetimeFigureOut">
               <a:rPr lang="en-US" smtClean="0"/>
               <a:pPr/>
-              <a:t>8/1/2011</a:t>
+              <a:t>4/10/2025</a:t>
             </a:fld>
             <a:endParaRPr lang="en-US"/>
           </a:p>
@@ -2781,7 +2820,7 @@
             <a:fld id="{B6F15528-21DE-4FAA-801E-634DDDAF4B2B}" type="slidenum">
               <a:rPr lang="en-US" smtClean="0"/>
               <a:pPr/>
-              <a:t>‹#›</a:t>
+              <a:t>‹nº›</a:t>
             </a:fld>
             <a:endParaRPr lang="en-US"/>
           </a:p>
@@ -3057,7 +3096,7 @@
 </file>
 
 <file path=ppt/slides/slide1.xml><?xml version="1.0" encoding="utf-8"?>
-<p:sld xmlns:p="http://schemas.openxmlformats.org/presentationml/2006/main" xmlns:a="http://schemas.openxmlformats.org/drawingml/2006/main" xmlns:r="http://schemas.openxmlformats.org/officeDocument/2006/relationships">
+<p:sld xmlns:a="http://schemas.openxmlformats.org/drawingml/2006/main" xmlns:r="http://schemas.openxmlformats.org/officeDocument/2006/relationships" xmlns:p="http://schemas.openxmlformats.org/presentationml/2006/main">
   <p:cSld>
     <p:spTree>
       <p:nvGrpSpPr>
@@ -3075,12 +3114,12 @@
       </p:grpSpPr>
       <p:sp>
         <p:nvSpPr>
-          <p:cNvPr name="Freeform 2" id="2"/>
+          <p:cNvPr id="2" name="Freeform 2"/>
           <p:cNvSpPr/>
           <p:nvPr/>
         </p:nvSpPr>
         <p:spPr>
-          <a:xfrm flipH="false" flipV="false" rot="-1898322">
+          <a:xfrm rot="-1898322">
             <a:off x="12872211" y="-2776467"/>
             <a:ext cx="8774178" cy="8796169"/>
           </a:xfrm>
@@ -3089,9 +3128,9 @@
             <a:gdLst/>
             <a:ahLst/>
             <a:cxnLst/>
-            <a:rect r="r" b="b" t="t" l="l"/>
+            <a:rect l="l" t="t" r="r" b="b"/>
             <a:pathLst>
-              <a:path h="8796169" w="8774178">
+              <a:path w="8774178" h="8796169">
                 <a:moveTo>
                   <a:pt x="0" y="0"/>
                 </a:moveTo>
@@ -3114,19 +3153,26 @@
           <a:blipFill>
             <a:blip r:embed="rId2"/>
             <a:stretch>
-              <a:fillRect l="0" t="0" r="0" b="0"/>
+              <a:fillRect/>
             </a:stretch>
           </a:blipFill>
         </p:spPr>
+        <p:txBody>
+          <a:bodyPr/>
+          <a:lstStyle/>
+          <a:p>
+            <a:endParaRPr lang="pt-PT"/>
+          </a:p>
+        </p:txBody>
       </p:sp>
       <p:grpSp>
         <p:nvGrpSpPr>
-          <p:cNvPr name="Group 3" id="3"/>
+          <p:cNvPr id="3" name="Group 3"/>
           <p:cNvGrpSpPr/>
           <p:nvPr/>
         </p:nvGrpSpPr>
         <p:grpSpPr>
-          <a:xfrm rot="0">
+          <a:xfrm>
             <a:off x="10463626" y="1621617"/>
             <a:ext cx="753561" cy="753561"/>
             <a:chOff x="0" y="0"/>
@@ -3135,12 +3181,12 @@
         </p:grpSpPr>
         <p:sp>
           <p:nvSpPr>
-            <p:cNvPr name="Freeform 4" id="4"/>
+            <p:cNvPr id="4" name="Freeform 4"/>
             <p:cNvSpPr/>
             <p:nvPr/>
           </p:nvSpPr>
           <p:spPr>
-            <a:xfrm flipH="false" flipV="false" rot="0">
+            <a:xfrm>
               <a:off x="0" y="0"/>
               <a:ext cx="812800" cy="812800"/>
             </a:xfrm>
@@ -3149,9 +3195,9 @@
               <a:gdLst/>
               <a:ahLst/>
               <a:cxnLst/>
-              <a:rect r="r" b="b" t="t" l="l"/>
+              <a:rect l="l" t="t" r="r" b="b"/>
               <a:pathLst>
-                <a:path h="812800" w="812800">
+                <a:path w="812800" h="812800">
                   <a:moveTo>
                     <a:pt x="406400" y="0"/>
                   </a:moveTo>
@@ -3179,7 +3225,7 @@
                 </a:path>
               </a:pathLst>
             </a:custGeom>
-            <a:gradFill rotWithShape="true">
+            <a:gradFill rotWithShape="1">
               <a:gsLst>
                 <a:gs pos="0">
                   <a:srgbClr val="F600FE">
@@ -3208,16 +3254,23 @@
                 </a:gs>
               </a:gsLst>
               <a:path path="circle">
-                <a:fillToRect l="0" r="100000" t="0" b="100000"/>
+                <a:fillToRect r="100000" b="100000"/>
               </a:path>
-              <a:tileRect r="0" l="-100000" b="0" t="-100000"/>
+              <a:tileRect l="-100000" t="-100000"/>
             </a:gradFill>
           </p:spPr>
+          <p:txBody>
+            <a:bodyPr/>
+            <a:lstStyle/>
+            <a:p>
+              <a:endParaRPr lang="pt-PT"/>
+            </a:p>
+          </p:txBody>
         </p:sp>
         <p:sp>
           <p:nvSpPr>
-            <p:cNvPr name="TextBox 5" id="5"/>
-            <p:cNvSpPr txBox="true"/>
+            <p:cNvPr id="5" name="TextBox 5"/>
+            <p:cNvSpPr txBox="1"/>
             <p:nvPr/>
           </p:nvSpPr>
           <p:spPr>
@@ -3230,7 +3283,7 @@
             </a:prstGeom>
           </p:spPr>
           <p:txBody>
-            <a:bodyPr anchor="ctr" rtlCol="false" tIns="50800" lIns="50800" bIns="50800" rIns="50800"/>
+            <a:bodyPr lIns="50800" tIns="50800" rIns="50800" bIns="50800" rtlCol="0" anchor="ctr"/>
             <a:lstStyle/>
             <a:p>
               <a:pPr algn="ctr">
@@ -3241,18 +3294,19 @@
                   <a:spcPct val="0"/>
                 </a:spcBef>
               </a:pPr>
+              <a:endParaRPr/>
             </a:p>
           </p:txBody>
         </p:sp>
       </p:grpSp>
       <p:sp>
         <p:nvSpPr>
-          <p:cNvPr name="TextBox 6" id="6"/>
-          <p:cNvSpPr txBox="true"/>
+          <p:cNvPr id="6" name="TextBox 6"/>
+          <p:cNvSpPr txBox="1"/>
           <p:nvPr/>
         </p:nvSpPr>
         <p:spPr>
-          <a:xfrm rot="0">
+          <a:xfrm>
             <a:off x="1367131" y="3714421"/>
             <a:ext cx="10072534" cy="1696554"/>
           </a:xfrm>
@@ -3261,7 +3315,7 @@
           </a:prstGeom>
         </p:spPr>
         <p:txBody>
-          <a:bodyPr anchor="t" rtlCol="false" tIns="0" lIns="0" bIns="0" rIns="0">
+          <a:bodyPr lIns="0" tIns="0" rIns="0" bIns="0" rtlCol="0" anchor="t">
             <a:spAutoFit/>
           </a:bodyPr>
           <a:lstStyle/>
@@ -3275,7 +3329,7 @@
               </a:spcBef>
             </a:pPr>
             <a:r>
-              <a:rPr lang="en-US" sz="9905" b="true">
+              <a:rPr lang="en-US" sz="9905" b="1">
                 <a:solidFill>
                   <a:srgbClr val="000000"/>
                 </a:solidFill>
@@ -3291,12 +3345,12 @@
       </p:sp>
       <p:grpSp>
         <p:nvGrpSpPr>
-          <p:cNvPr name="Group 7" id="7"/>
+          <p:cNvPr id="7" name="Group 7"/>
           <p:cNvGrpSpPr/>
           <p:nvPr/>
         </p:nvGrpSpPr>
         <p:grpSpPr>
-          <a:xfrm rot="0">
+          <a:xfrm>
             <a:off x="14778711" y="7667323"/>
             <a:ext cx="1578921" cy="1578921"/>
             <a:chOff x="0" y="0"/>
@@ -3305,12 +3359,12 @@
         </p:grpSpPr>
         <p:sp>
           <p:nvSpPr>
-            <p:cNvPr name="Freeform 8" id="8"/>
+            <p:cNvPr id="8" name="Freeform 8"/>
             <p:cNvSpPr/>
             <p:nvPr/>
           </p:nvSpPr>
           <p:spPr>
-            <a:xfrm flipH="false" flipV="false" rot="0">
+            <a:xfrm>
               <a:off x="0" y="0"/>
               <a:ext cx="812800" cy="812800"/>
             </a:xfrm>
@@ -3319,9 +3373,9 @@
               <a:gdLst/>
               <a:ahLst/>
               <a:cxnLst/>
-              <a:rect r="r" b="b" t="t" l="l"/>
+              <a:rect l="l" t="t" r="r" b="b"/>
               <a:pathLst>
-                <a:path h="812800" w="812800">
+                <a:path w="812800" h="812800">
                   <a:moveTo>
                     <a:pt x="406400" y="0"/>
                   </a:moveTo>
@@ -3349,7 +3403,7 @@
                 </a:path>
               </a:pathLst>
             </a:custGeom>
-            <a:gradFill rotWithShape="true">
+            <a:gradFill rotWithShape="1">
               <a:gsLst>
                 <a:gs pos="0">
                   <a:srgbClr val="F600FE">
@@ -3378,16 +3432,23 @@
                 </a:gs>
               </a:gsLst>
               <a:path path="circle">
-                <a:fillToRect l="0" r="100000" t="0" b="100000"/>
+                <a:fillToRect r="100000" b="100000"/>
               </a:path>
-              <a:tileRect r="0" l="-100000" b="0" t="-100000"/>
+              <a:tileRect l="-100000" t="-100000"/>
             </a:gradFill>
           </p:spPr>
+          <p:txBody>
+            <a:bodyPr/>
+            <a:lstStyle/>
+            <a:p>
+              <a:endParaRPr lang="pt-PT"/>
+            </a:p>
+          </p:txBody>
         </p:sp>
         <p:sp>
           <p:nvSpPr>
-            <p:cNvPr name="TextBox 9" id="9"/>
-            <p:cNvSpPr txBox="true"/>
+            <p:cNvPr id="9" name="TextBox 9"/>
+            <p:cNvSpPr txBox="1"/>
             <p:nvPr/>
           </p:nvSpPr>
           <p:spPr>
@@ -3400,7 +3461,7 @@
             </a:prstGeom>
           </p:spPr>
           <p:txBody>
-            <a:bodyPr anchor="ctr" rtlCol="false" tIns="50800" lIns="50800" bIns="50800" rIns="50800"/>
+            <a:bodyPr lIns="50800" tIns="50800" rIns="50800" bIns="50800" rtlCol="0" anchor="ctr"/>
             <a:lstStyle/>
             <a:p>
               <a:pPr algn="ctr">
@@ -3411,18 +3472,19 @@
                   <a:spcPct val="0"/>
                 </a:spcBef>
               </a:pPr>
+              <a:endParaRPr/>
             </a:p>
           </p:txBody>
         </p:sp>
       </p:grpSp>
       <p:sp>
         <p:nvSpPr>
-          <p:cNvPr name="Freeform 10" id="10"/>
+          <p:cNvPr id="10" name="Freeform 10"/>
           <p:cNvSpPr/>
           <p:nvPr/>
         </p:nvSpPr>
         <p:spPr>
-          <a:xfrm flipH="false" flipV="false" rot="0">
+          <a:xfrm>
             <a:off x="1028700" y="1028700"/>
             <a:ext cx="4028187" cy="1483484"/>
           </a:xfrm>
@@ -3431,9 +3493,9 @@
             <a:gdLst/>
             <a:ahLst/>
             <a:cxnLst/>
-            <a:rect r="r" b="b" t="t" l="l"/>
+            <a:rect l="l" t="t" r="r" b="b"/>
             <a:pathLst>
-              <a:path h="1483484" w="4028187">
+              <a:path w="4028187" h="1483484">
                 <a:moveTo>
                   <a:pt x="0" y="0"/>
                 </a:moveTo>
@@ -3456,19 +3518,26 @@
           <a:blipFill>
             <a:blip r:embed="rId3"/>
             <a:stretch>
-              <a:fillRect l="0" t="0" r="0" b="0"/>
+              <a:fillRect/>
             </a:stretch>
           </a:blipFill>
         </p:spPr>
+        <p:txBody>
+          <a:bodyPr/>
+          <a:lstStyle/>
+          <a:p>
+            <a:endParaRPr lang="pt-PT"/>
+          </a:p>
+        </p:txBody>
       </p:sp>
       <p:sp>
         <p:nvSpPr>
-          <p:cNvPr name="TextBox 11" id="11"/>
-          <p:cNvSpPr txBox="true"/>
+          <p:cNvPr id="11" name="TextBox 11"/>
+          <p:cNvSpPr txBox="1"/>
           <p:nvPr/>
         </p:nvSpPr>
         <p:spPr>
-          <a:xfrm rot="0">
+          <a:xfrm>
             <a:off x="1367131" y="7619698"/>
             <a:ext cx="12646963" cy="1884045"/>
           </a:xfrm>
@@ -3477,7 +3546,7 @@
           </a:prstGeom>
         </p:spPr>
         <p:txBody>
-          <a:bodyPr anchor="t" rtlCol="false" tIns="0" lIns="0" bIns="0" rIns="0">
+          <a:bodyPr lIns="0" tIns="0" rIns="0" bIns="0" rtlCol="0" anchor="t">
             <a:spAutoFit/>
           </a:bodyPr>
           <a:lstStyle/>
@@ -3528,6 +3597,15 @@
                 <a:spcPct val="0"/>
               </a:spcBef>
             </a:pPr>
+            <a:endParaRPr lang="en-US" sz="2699">
+              <a:solidFill>
+                <a:srgbClr val="000000"/>
+              </a:solidFill>
+              <a:latin typeface="Montserrat"/>
+              <a:ea typeface="Montserrat"/>
+              <a:cs typeface="Montserrat"/>
+              <a:sym typeface="Montserrat"/>
+            </a:endParaRPr>
           </a:p>
           <a:p>
             <a:pPr algn="l">
@@ -3562,7 +3640,7 @@
 </file>
 
 <file path=ppt/slides/slide2.xml><?xml version="1.0" encoding="utf-8"?>
-<p:sld xmlns:p="http://schemas.openxmlformats.org/presentationml/2006/main" xmlns:a="http://schemas.openxmlformats.org/drawingml/2006/main" xmlns:r="http://schemas.openxmlformats.org/officeDocument/2006/relationships">
+<p:sld xmlns:a="http://schemas.openxmlformats.org/drawingml/2006/main" xmlns:r="http://schemas.openxmlformats.org/officeDocument/2006/relationships" xmlns:p="http://schemas.openxmlformats.org/presentationml/2006/main">
   <p:cSld>
     <p:spTree>
       <p:nvGrpSpPr>
@@ -3580,12 +3658,12 @@
       </p:grpSpPr>
       <p:sp>
         <p:nvSpPr>
-          <p:cNvPr name="Freeform 2" id="2"/>
+          <p:cNvPr id="2" name="Freeform 2"/>
           <p:cNvSpPr/>
           <p:nvPr/>
         </p:nvSpPr>
         <p:spPr>
-          <a:xfrm flipH="false" flipV="false" rot="7536833">
+          <a:xfrm rot="7536833">
             <a:off x="-4428213" y="-2916505"/>
             <a:ext cx="9627545" cy="9651674"/>
           </a:xfrm>
@@ -3594,9 +3672,9 @@
             <a:gdLst/>
             <a:ahLst/>
             <a:cxnLst/>
-            <a:rect r="r" b="b" t="t" l="l"/>
+            <a:rect l="l" t="t" r="r" b="b"/>
             <a:pathLst>
-              <a:path h="9651674" w="9627545">
+              <a:path w="9627545" h="9651674">
                 <a:moveTo>
                   <a:pt x="0" y="0"/>
                 </a:moveTo>
@@ -3619,19 +3697,26 @@
           <a:blipFill>
             <a:blip r:embed="rId2"/>
             <a:stretch>
-              <a:fillRect l="0" t="0" r="0" b="0"/>
+              <a:fillRect/>
             </a:stretch>
           </a:blipFill>
         </p:spPr>
+        <p:txBody>
+          <a:bodyPr/>
+          <a:lstStyle/>
+          <a:p>
+            <a:endParaRPr lang="pt-PT"/>
+          </a:p>
+        </p:txBody>
       </p:sp>
       <p:sp>
         <p:nvSpPr>
-          <p:cNvPr name="TextBox 3" id="3"/>
-          <p:cNvSpPr txBox="true"/>
+          <p:cNvPr id="3" name="TextBox 3"/>
+          <p:cNvSpPr txBox="1"/>
           <p:nvPr/>
         </p:nvSpPr>
         <p:spPr>
-          <a:xfrm rot="0">
+          <a:xfrm>
             <a:off x="7390681" y="1311725"/>
             <a:ext cx="8194363" cy="1113616"/>
           </a:xfrm>
@@ -3640,7 +3725,7 @@
           </a:prstGeom>
         </p:spPr>
         <p:txBody>
-          <a:bodyPr anchor="t" rtlCol="false" tIns="0" lIns="0" bIns="0" rIns="0">
+          <a:bodyPr lIns="0" tIns="0" rIns="0" bIns="0" rtlCol="0" anchor="t">
             <a:spAutoFit/>
           </a:bodyPr>
           <a:lstStyle/>
@@ -3651,7 +3736,7 @@
               </a:lnSpc>
             </a:pPr>
             <a:r>
-              <a:rPr lang="en-US" sz="7368" b="true">
+              <a:rPr lang="en-US" sz="7368" b="1">
                 <a:solidFill>
                   <a:srgbClr val="101010"/>
                 </a:solidFill>
@@ -3667,12 +3752,12 @@
       </p:sp>
       <p:sp>
         <p:nvSpPr>
-          <p:cNvPr name="TextBox 4" id="4"/>
-          <p:cNvSpPr txBox="true"/>
+          <p:cNvPr id="4" name="TextBox 4"/>
+          <p:cNvSpPr txBox="1"/>
           <p:nvPr/>
         </p:nvSpPr>
         <p:spPr>
-          <a:xfrm rot="0">
+          <a:xfrm>
             <a:off x="7111927" y="3305207"/>
             <a:ext cx="10073194" cy="4356268"/>
           </a:xfrm>
@@ -3681,12 +3766,12 @@
           </a:prstGeom>
         </p:spPr>
         <p:txBody>
-          <a:bodyPr anchor="t" rtlCol="false" tIns="0" lIns="0" bIns="0" rIns="0">
+          <a:bodyPr lIns="0" tIns="0" rIns="0" bIns="0" rtlCol="0" anchor="t">
             <a:spAutoFit/>
           </a:bodyPr>
           <a:lstStyle/>
           <a:p>
-            <a:pPr algn="l" marL="538320" indent="-269160" lvl="1">
+            <a:pPr marL="538320" lvl="1" indent="-269160" algn="l">
               <a:lnSpc>
                 <a:spcPts val="3490"/>
               </a:lnSpc>
@@ -3694,7 +3779,7 @@
               <a:buChar char="•"/>
             </a:pPr>
             <a:r>
-              <a:rPr lang="en-US" sz="2493" strike="noStrike" u="none">
+              <a:rPr lang="en-US" sz="2493" u="none" strike="noStrike">
                 <a:solidFill>
                   <a:srgbClr val="101010"/>
                 </a:solidFill>
@@ -3706,7 +3791,7 @@
               <a:t> O jogo consiste num </a:t>
             </a:r>
             <a:r>
-              <a:rPr lang="en-US" b="true" sz="2493" strike="noStrike" u="none">
+              <a:rPr lang="en-US" sz="2493" b="1" u="none" strike="noStrike">
                 <a:solidFill>
                   <a:srgbClr val="101010"/>
                 </a:solidFill>
@@ -3718,7 +3803,7 @@
               <a:t>endless runner</a:t>
             </a:r>
             <a:r>
-              <a:rPr lang="en-US" sz="2493" strike="noStrike" u="none">
+              <a:rPr lang="en-US" sz="2493" u="none" strike="noStrike">
                 <a:solidFill>
                   <a:srgbClr val="101010"/>
                 </a:solidFill>
@@ -3730,7 +3815,7 @@
               <a:t> tridimensional no qual o jogador controla um </a:t>
             </a:r>
             <a:r>
-              <a:rPr lang="en-US" b="true" sz="2493" strike="noStrike" u="none">
+              <a:rPr lang="en-US" sz="2493" b="1" u="none" strike="noStrike">
                 <a:solidFill>
                   <a:srgbClr val="101010"/>
                 </a:solidFill>
@@ -3742,7 +3827,7 @@
               <a:t>cubo verde</a:t>
             </a:r>
             <a:r>
-              <a:rPr lang="en-US" sz="2493" strike="noStrike" u="none">
+              <a:rPr lang="en-US" sz="2493" u="none" strike="noStrike">
                 <a:solidFill>
                   <a:srgbClr val="101010"/>
                 </a:solidFill>
@@ -3754,7 +3839,7 @@
               <a:t> que se move automaticamente. O objetivo é </a:t>
             </a:r>
             <a:r>
-              <a:rPr lang="en-US" b="true" sz="2493" strike="noStrike" u="none">
+              <a:rPr lang="en-US" sz="2493" b="1" u="none" strike="noStrike">
                 <a:solidFill>
                   <a:srgbClr val="101010"/>
                 </a:solidFill>
@@ -3766,7 +3851,7 @@
               <a:t>desviar dos cubos vermelhos</a:t>
             </a:r>
             <a:r>
-              <a:rPr lang="en-US" sz="2493" strike="noStrike" u="none">
+              <a:rPr lang="en-US" sz="2493" u="none" strike="noStrike">
                 <a:solidFill>
                   <a:srgbClr val="101010"/>
                 </a:solidFill>
@@ -3779,7 +3864,7 @@
             </a:r>
           </a:p>
           <a:p>
-            <a:pPr algn="l" marL="0" indent="0" lvl="0">
+            <a:pPr marL="0" lvl="0" indent="0" algn="l">
               <a:lnSpc>
                 <a:spcPts val="3490"/>
               </a:lnSpc>
@@ -3787,9 +3872,18 @@
                 <a:spcPct val="0"/>
               </a:spcBef>
             </a:pPr>
-          </a:p>
-          <a:p>
-            <a:pPr algn="l" marL="538320" indent="-269160" lvl="1">
+            <a:endParaRPr lang="en-US" sz="2493" u="none" strike="noStrike">
+              <a:solidFill>
+                <a:srgbClr val="101010"/>
+              </a:solidFill>
+              <a:latin typeface="Montserrat"/>
+              <a:ea typeface="Montserrat"/>
+              <a:cs typeface="Montserrat"/>
+              <a:sym typeface="Montserrat"/>
+            </a:endParaRPr>
+          </a:p>
+          <a:p>
+            <a:pPr marL="538320" lvl="1" indent="-269160" algn="l">
               <a:lnSpc>
                 <a:spcPts val="3490"/>
               </a:lnSpc>
@@ -3797,7 +3891,7 @@
               <a:buChar char="•"/>
             </a:pPr>
             <a:r>
-              <a:rPr lang="en-US" sz="2493" strike="noStrike" u="none">
+              <a:rPr lang="en-US" sz="2493" u="none" strike="noStrike">
                 <a:solidFill>
                   <a:srgbClr val="101010"/>
                 </a:solidFill>
@@ -3806,26 +3900,14 @@
                 <a:cs typeface="Montserrat"/>
                 <a:sym typeface="Montserrat"/>
               </a:rPr>
-              <a:t>I</a:t>
-            </a:r>
-            <a:r>
-              <a:rPr lang="en-US" sz="2493" strike="noStrike" u="none">
-                <a:solidFill>
-                  <a:srgbClr val="101010"/>
-                </a:solidFill>
-                <a:latin typeface="Montserrat"/>
-                <a:ea typeface="Montserrat"/>
-                <a:cs typeface="Montserrat"/>
-                <a:sym typeface="Montserrat"/>
-              </a:rPr>
-              <a:t>nterface simples e intuitiva, com controles responsivos que permitem ao jogador mover o cubo para os lados. Conforme o jogo avança, a velocidade pode aumentar, tornando o desafio mais difícil. .</a:t>
+              <a:t>Interface simples e intuitiva, com controles responsivos que permitem ao jogador mover o cubo para os lados. Conforme o jogo avança, a velocidade pode aumentar, tornando o desafio mais difícil. .</a:t>
             </a:r>
           </a:p>
         </p:txBody>
       </p:sp>
       <p:grpSp>
         <p:nvGrpSpPr>
-          <p:cNvPr name="Group 5" id="5"/>
+          <p:cNvPr id="5" name="Group 5"/>
           <p:cNvGrpSpPr/>
           <p:nvPr/>
         </p:nvGrpSpPr>
@@ -3839,12 +3921,12 @@
         </p:grpSpPr>
         <p:sp>
           <p:nvSpPr>
-            <p:cNvPr name="Freeform 6" id="6"/>
+            <p:cNvPr id="6" name="Freeform 6"/>
             <p:cNvSpPr/>
             <p:nvPr/>
           </p:nvSpPr>
           <p:spPr>
-            <a:xfrm flipH="false" flipV="false" rot="0">
+            <a:xfrm>
               <a:off x="0" y="0"/>
               <a:ext cx="812800" cy="812800"/>
             </a:xfrm>
@@ -3853,9 +3935,9 @@
               <a:gdLst/>
               <a:ahLst/>
               <a:cxnLst/>
-              <a:rect r="r" b="b" t="t" l="l"/>
+              <a:rect l="l" t="t" r="r" b="b"/>
               <a:pathLst>
-                <a:path h="812800" w="812800">
+                <a:path w="812800" h="812800">
                   <a:moveTo>
                     <a:pt x="406400" y="0"/>
                   </a:moveTo>
@@ -3883,7 +3965,7 @@
                 </a:path>
               </a:pathLst>
             </a:custGeom>
-            <a:gradFill rotWithShape="true">
+            <a:gradFill rotWithShape="1">
               <a:gsLst>
                 <a:gs pos="0">
                   <a:srgbClr val="F600FE">
@@ -3912,16 +3994,23 @@
                 </a:gs>
               </a:gsLst>
               <a:path path="circle">
-                <a:fillToRect l="0" r="100000" t="0" b="100000"/>
+                <a:fillToRect r="100000" b="100000"/>
               </a:path>
-              <a:tileRect r="0" l="-100000" b="0" t="-100000"/>
+              <a:tileRect l="-100000" t="-100000"/>
             </a:gradFill>
           </p:spPr>
+          <p:txBody>
+            <a:bodyPr/>
+            <a:lstStyle/>
+            <a:p>
+              <a:endParaRPr lang="pt-PT"/>
+            </a:p>
+          </p:txBody>
         </p:sp>
         <p:sp>
           <p:nvSpPr>
-            <p:cNvPr name="TextBox 7" id="7"/>
-            <p:cNvSpPr txBox="true"/>
+            <p:cNvPr id="7" name="TextBox 7"/>
+            <p:cNvSpPr txBox="1"/>
             <p:nvPr/>
           </p:nvSpPr>
           <p:spPr>
@@ -3934,7 +4023,7 @@
             </a:prstGeom>
           </p:spPr>
           <p:txBody>
-            <a:bodyPr anchor="ctr" rtlCol="false" tIns="50800" lIns="50800" bIns="50800" rIns="50800"/>
+            <a:bodyPr lIns="50800" tIns="50800" rIns="50800" bIns="50800" rtlCol="0" anchor="ctr"/>
             <a:lstStyle/>
             <a:p>
               <a:pPr algn="ctr">
@@ -3945,6 +4034,7 @@
                   <a:spcPct val="0"/>
                 </a:spcBef>
               </a:pPr>
+              <a:endParaRPr/>
             </a:p>
           </p:txBody>
         </p:sp>
@@ -3958,7 +4048,7 @@
 </file>
 
 <file path=ppt/slides/slide3.xml><?xml version="1.0" encoding="utf-8"?>
-<p:sld xmlns:p="http://schemas.openxmlformats.org/presentationml/2006/main" xmlns:a="http://schemas.openxmlformats.org/drawingml/2006/main" xmlns:r="http://schemas.openxmlformats.org/officeDocument/2006/relationships">
+<p:sld xmlns:a="http://schemas.openxmlformats.org/drawingml/2006/main" xmlns:r="http://schemas.openxmlformats.org/officeDocument/2006/relationships" xmlns:p="http://schemas.openxmlformats.org/presentationml/2006/main">
   <p:cSld>
     <p:spTree>
       <p:nvGrpSpPr>
@@ -3976,12 +4066,12 @@
       </p:grpSpPr>
       <p:sp>
         <p:nvSpPr>
-          <p:cNvPr name="Freeform 2" id="2"/>
+          <p:cNvPr id="2" name="Freeform 2"/>
           <p:cNvSpPr/>
           <p:nvPr/>
         </p:nvSpPr>
         <p:spPr>
-          <a:xfrm flipH="false" flipV="false" rot="-1898322">
+          <a:xfrm rot="-1898322">
             <a:off x="12719553" y="-4023370"/>
             <a:ext cx="8774178" cy="8796169"/>
           </a:xfrm>
@@ -3990,9 +4080,9 @@
             <a:gdLst/>
             <a:ahLst/>
             <a:cxnLst/>
-            <a:rect r="r" b="b" t="t" l="l"/>
+            <a:rect l="l" t="t" r="r" b="b"/>
             <a:pathLst>
-              <a:path h="8796169" w="8774178">
+              <a:path w="8774178" h="8796169">
                 <a:moveTo>
                   <a:pt x="0" y="0"/>
                 </a:moveTo>
@@ -4015,19 +4105,26 @@
           <a:blipFill>
             <a:blip r:embed="rId2"/>
             <a:stretch>
-              <a:fillRect l="0" t="0" r="0" b="0"/>
+              <a:fillRect/>
             </a:stretch>
           </a:blipFill>
         </p:spPr>
+        <p:txBody>
+          <a:bodyPr/>
+          <a:lstStyle/>
+          <a:p>
+            <a:endParaRPr lang="pt-PT"/>
+          </a:p>
+        </p:txBody>
       </p:sp>
       <p:grpSp>
         <p:nvGrpSpPr>
-          <p:cNvPr name="Group 3" id="3"/>
+          <p:cNvPr id="3" name="Group 3"/>
           <p:cNvGrpSpPr/>
           <p:nvPr/>
         </p:nvGrpSpPr>
         <p:grpSpPr>
-          <a:xfrm rot="0">
+          <a:xfrm>
             <a:off x="483487" y="2086897"/>
             <a:ext cx="6218139" cy="6218139"/>
             <a:chOff x="0" y="0"/>
@@ -4036,12 +4133,12 @@
         </p:grpSpPr>
         <p:sp>
           <p:nvSpPr>
-            <p:cNvPr name="Freeform 4" id="4"/>
+            <p:cNvPr id="4" name="Freeform 4"/>
             <p:cNvSpPr/>
             <p:nvPr/>
           </p:nvSpPr>
           <p:spPr>
-            <a:xfrm flipH="false" flipV="false" rot="0">
+            <a:xfrm>
               <a:off x="0" y="0"/>
               <a:ext cx="812800" cy="812800"/>
             </a:xfrm>
@@ -4050,9 +4147,9 @@
               <a:gdLst/>
               <a:ahLst/>
               <a:cxnLst/>
-              <a:rect r="r" b="b" t="t" l="l"/>
+              <a:rect l="l" t="t" r="r" b="b"/>
               <a:pathLst>
-                <a:path h="812800" w="812800">
+                <a:path w="812800" h="812800">
                   <a:moveTo>
                     <a:pt x="406400" y="0"/>
                   </a:moveTo>
@@ -4080,7 +4177,7 @@
                 </a:path>
               </a:pathLst>
             </a:custGeom>
-            <a:gradFill rotWithShape="true">
+            <a:gradFill rotWithShape="1">
               <a:gsLst>
                 <a:gs pos="0">
                   <a:srgbClr val="F600FE">
@@ -4109,9 +4206,9 @@
                 </a:gs>
               </a:gsLst>
               <a:path path="circle">
-                <a:fillToRect l="0" r="100000" t="0" b="100000"/>
+                <a:fillToRect r="100000" b="100000"/>
               </a:path>
-              <a:tileRect r="0" l="-100000" b="0" t="-100000"/>
+              <a:tileRect l="-100000" t="-100000"/>
             </a:gradFill>
             <a:ln cap="sq">
               <a:noFill/>
@@ -4119,11 +4216,18 @@
               <a:miter/>
             </a:ln>
           </p:spPr>
+          <p:txBody>
+            <a:bodyPr/>
+            <a:lstStyle/>
+            <a:p>
+              <a:endParaRPr lang="pt-PT"/>
+            </a:p>
+          </p:txBody>
         </p:sp>
         <p:sp>
           <p:nvSpPr>
-            <p:cNvPr name="TextBox 5" id="5"/>
-            <p:cNvSpPr txBox="true"/>
+            <p:cNvPr id="5" name="TextBox 5"/>
+            <p:cNvSpPr txBox="1"/>
             <p:nvPr/>
           </p:nvSpPr>
           <p:spPr>
@@ -4136,7 +4240,7 @@
             </a:prstGeom>
           </p:spPr>
           <p:txBody>
-            <a:bodyPr anchor="ctr" rtlCol="false" tIns="0" lIns="0" bIns="0" rIns="0"/>
+            <a:bodyPr lIns="0" tIns="0" rIns="0" bIns="0" rtlCol="0" anchor="ctr"/>
             <a:lstStyle/>
             <a:p>
               <a:pPr algn="ctr">
@@ -4144,18 +4248,19 @@
                   <a:spcPts val="3640"/>
                 </a:lnSpc>
               </a:pPr>
+              <a:endParaRPr/>
             </a:p>
           </p:txBody>
         </p:sp>
       </p:grpSp>
       <p:grpSp>
         <p:nvGrpSpPr>
-          <p:cNvPr name="Group 6" id="6"/>
+          <p:cNvPr id="6" name="Group 6"/>
           <p:cNvGrpSpPr/>
           <p:nvPr/>
         </p:nvGrpSpPr>
         <p:grpSpPr>
-          <a:xfrm rot="0">
+          <a:xfrm>
             <a:off x="741219" y="2363976"/>
             <a:ext cx="5685609" cy="5688763"/>
             <a:chOff x="0" y="0"/>
@@ -4164,12 +4269,12 @@
         </p:grpSpPr>
         <p:sp>
           <p:nvSpPr>
-            <p:cNvPr name="Freeform 7" id="7"/>
+            <p:cNvPr id="7" name="Freeform 7"/>
             <p:cNvSpPr/>
             <p:nvPr/>
           </p:nvSpPr>
           <p:spPr>
-            <a:xfrm flipH="false" flipV="false" rot="0">
+            <a:xfrm>
               <a:off x="0" y="0"/>
               <a:ext cx="6489446" cy="6493002"/>
             </a:xfrm>
@@ -4178,9 +4283,9 @@
               <a:gdLst/>
               <a:ahLst/>
               <a:cxnLst/>
-              <a:rect r="r" b="b" t="t" l="l"/>
+              <a:rect l="l" t="t" r="r" b="b"/>
               <a:pathLst>
-                <a:path h="6493002" w="6489446">
+                <a:path w="6489446" h="6493002">
                   <a:moveTo>
                     <a:pt x="3244723" y="6493002"/>
                   </a:moveTo>
@@ -6874,16 +6979,23 @@
               <a:srgbClr val="FFFFFF"/>
             </a:solidFill>
           </p:spPr>
+          <p:txBody>
+            <a:bodyPr/>
+            <a:lstStyle/>
+            <a:p>
+              <a:endParaRPr lang="pt-PT"/>
+            </a:p>
+          </p:txBody>
         </p:sp>
       </p:grpSp>
       <p:grpSp>
         <p:nvGrpSpPr>
-          <p:cNvPr name="Group 8" id="8"/>
+          <p:cNvPr id="8" name="Group 8"/>
           <p:cNvGrpSpPr/>
           <p:nvPr/>
         </p:nvGrpSpPr>
         <p:grpSpPr>
-          <a:xfrm rot="0">
+          <a:xfrm>
             <a:off x="5404336" y="7634502"/>
             <a:ext cx="1758106" cy="1808838"/>
             <a:chOff x="0" y="0"/>
@@ -6892,12 +7004,12 @@
         </p:grpSpPr>
         <p:sp>
           <p:nvSpPr>
-            <p:cNvPr name="Freeform 9" id="9"/>
+            <p:cNvPr id="9" name="Freeform 9"/>
             <p:cNvSpPr/>
             <p:nvPr/>
           </p:nvSpPr>
           <p:spPr>
-            <a:xfrm flipH="false" flipV="false" rot="0">
+            <a:xfrm>
               <a:off x="0" y="0"/>
               <a:ext cx="2096008" cy="2156460"/>
             </a:xfrm>
@@ -6906,9 +7018,9 @@
               <a:gdLst/>
               <a:ahLst/>
               <a:cxnLst/>
-              <a:rect r="r" b="b" t="t" l="l"/>
+              <a:rect l="l" t="t" r="r" b="b"/>
               <a:pathLst>
-                <a:path h="2156460" w="2096008">
+                <a:path w="2096008" h="2156460">
                   <a:moveTo>
                     <a:pt x="1044194" y="60960"/>
                   </a:moveTo>
@@ -6951,7 +7063,7 @@
                 </a:path>
               </a:pathLst>
             </a:custGeom>
-            <a:gradFill rotWithShape="true">
+            <a:gradFill rotWithShape="1">
               <a:gsLst>
                 <a:gs pos="0">
                   <a:srgbClr val="F600FE">
@@ -6980,21 +7092,28 @@
                 </a:gs>
               </a:gsLst>
               <a:path path="circle">
-                <a:fillToRect l="0" r="100000" t="0" b="100000"/>
+                <a:fillToRect r="100000" b="100000"/>
               </a:path>
-              <a:tileRect r="0" l="-100000" b="0" t="-100000"/>
+              <a:tileRect l="-100000" t="-100000"/>
             </a:gradFill>
           </p:spPr>
+          <p:txBody>
+            <a:bodyPr/>
+            <a:lstStyle/>
+            <a:p>
+              <a:endParaRPr lang="pt-PT"/>
+            </a:p>
+          </p:txBody>
         </p:sp>
       </p:grpSp>
       <p:grpSp>
         <p:nvGrpSpPr>
-          <p:cNvPr name="Group 10" id="10"/>
+          <p:cNvPr id="10" name="Group 10"/>
           <p:cNvGrpSpPr/>
           <p:nvPr/>
         </p:nvGrpSpPr>
         <p:grpSpPr>
-          <a:xfrm rot="0">
+          <a:xfrm>
             <a:off x="6701626" y="5544222"/>
             <a:ext cx="1991835" cy="1749650"/>
             <a:chOff x="0" y="0"/>
@@ -7003,12 +7122,12 @@
         </p:grpSpPr>
         <p:sp>
           <p:nvSpPr>
-            <p:cNvPr name="Freeform 11" id="11"/>
+            <p:cNvPr id="11" name="Freeform 11"/>
             <p:cNvSpPr/>
             <p:nvPr/>
           </p:nvSpPr>
           <p:spPr>
-            <a:xfrm flipH="false" flipV="false" rot="0">
+            <a:xfrm>
               <a:off x="0" y="0"/>
               <a:ext cx="2374519" cy="2085848"/>
             </a:xfrm>
@@ -7017,9 +7136,9 @@
               <a:gdLst/>
               <a:ahLst/>
               <a:cxnLst/>
-              <a:rect r="r" b="b" t="t" l="l"/>
+              <a:rect l="l" t="t" r="r" b="b"/>
               <a:pathLst>
-                <a:path h="2085848" w="2374519">
+                <a:path w="2374519" h="2085848">
                   <a:moveTo>
                     <a:pt x="1331849" y="0"/>
                   </a:moveTo>
@@ -7062,7 +7181,7 @@
                 </a:path>
               </a:pathLst>
             </a:custGeom>
-            <a:gradFill rotWithShape="true">
+            <a:gradFill rotWithShape="1">
               <a:gsLst>
                 <a:gs pos="0">
                   <a:srgbClr val="F600FE">
@@ -7091,21 +7210,28 @@
                 </a:gs>
               </a:gsLst>
               <a:path path="circle">
-                <a:fillToRect l="0" r="100000" t="0" b="100000"/>
+                <a:fillToRect r="100000" b="100000"/>
               </a:path>
-              <a:tileRect r="0" l="-100000" b="0" t="-100000"/>
+              <a:tileRect l="-100000" t="-100000"/>
             </a:gradFill>
           </p:spPr>
+          <p:txBody>
+            <a:bodyPr/>
+            <a:lstStyle/>
+            <a:p>
+              <a:endParaRPr lang="pt-PT"/>
+            </a:p>
+          </p:txBody>
         </p:sp>
       </p:grpSp>
       <p:grpSp>
         <p:nvGrpSpPr>
-          <p:cNvPr name="Group 12" id="12"/>
+          <p:cNvPr id="12" name="Group 12"/>
           <p:cNvGrpSpPr/>
           <p:nvPr/>
         </p:nvGrpSpPr>
         <p:grpSpPr>
-          <a:xfrm rot="0">
+          <a:xfrm>
             <a:off x="6701626" y="2987088"/>
             <a:ext cx="1991835" cy="1750254"/>
             <a:chOff x="0" y="0"/>
@@ -7114,12 +7240,12 @@
         </p:grpSpPr>
         <p:sp>
           <p:nvSpPr>
-            <p:cNvPr name="Freeform 13" id="13"/>
+            <p:cNvPr id="13" name="Freeform 13"/>
             <p:cNvSpPr/>
             <p:nvPr/>
           </p:nvSpPr>
           <p:spPr>
-            <a:xfrm flipH="false" flipV="false" rot="0">
+            <a:xfrm>
               <a:off x="0" y="0"/>
               <a:ext cx="2374519" cy="2086610"/>
             </a:xfrm>
@@ -7128,9 +7254,9 @@
               <a:gdLst/>
               <a:ahLst/>
               <a:cxnLst/>
-              <a:rect r="r" b="b" t="t" l="l"/>
+              <a:rect l="l" t="t" r="r" b="b"/>
               <a:pathLst>
-                <a:path h="2086610" w="2374519">
+                <a:path w="2374519" h="2086610">
                   <a:moveTo>
                     <a:pt x="1331849" y="0"/>
                   </a:moveTo>
@@ -7173,7 +7299,7 @@
                 </a:path>
               </a:pathLst>
             </a:custGeom>
-            <a:gradFill rotWithShape="true">
+            <a:gradFill rotWithShape="1">
               <a:gsLst>
                 <a:gs pos="0">
                   <a:srgbClr val="F600FE">
@@ -7202,21 +7328,28 @@
                 </a:gs>
               </a:gsLst>
               <a:path path="circle">
-                <a:fillToRect l="0" r="100000" t="0" b="100000"/>
+                <a:fillToRect r="100000" b="100000"/>
               </a:path>
-              <a:tileRect r="0" l="-100000" b="0" t="-100000"/>
+              <a:tileRect l="-100000" t="-100000"/>
             </a:gradFill>
           </p:spPr>
+          <p:txBody>
+            <a:bodyPr/>
+            <a:lstStyle/>
+            <a:p>
+              <a:endParaRPr lang="pt-PT"/>
+            </a:p>
+          </p:txBody>
         </p:sp>
       </p:grpSp>
       <p:grpSp>
         <p:nvGrpSpPr>
-          <p:cNvPr name="Group 14" id="14"/>
+          <p:cNvPr id="14" name="Group 14"/>
           <p:cNvGrpSpPr/>
           <p:nvPr/>
         </p:nvGrpSpPr>
         <p:grpSpPr>
-          <a:xfrm rot="0">
+          <a:xfrm>
             <a:off x="5404336" y="843660"/>
             <a:ext cx="1758106" cy="1797363"/>
             <a:chOff x="0" y="0"/>
@@ -7225,12 +7358,12 @@
         </p:grpSpPr>
         <p:sp>
           <p:nvSpPr>
-            <p:cNvPr name="Freeform 15" id="15"/>
+            <p:cNvPr id="15" name="Freeform 15"/>
             <p:cNvSpPr/>
             <p:nvPr/>
           </p:nvSpPr>
           <p:spPr>
-            <a:xfrm flipH="false" flipV="false" rot="0">
+            <a:xfrm>
               <a:off x="0" y="0"/>
               <a:ext cx="2096008" cy="2142744"/>
             </a:xfrm>
@@ -7239,9 +7372,9 @@
               <a:gdLst/>
               <a:ahLst/>
               <a:cxnLst/>
-              <a:rect r="r" b="b" t="t" l="l"/>
+              <a:rect l="l" t="t" r="r" b="b"/>
               <a:pathLst>
-                <a:path h="2142744" w="2096008">
+                <a:path w="2096008" h="2142744">
                   <a:moveTo>
                     <a:pt x="1051814" y="0"/>
                   </a:moveTo>
@@ -7284,7 +7417,7 @@
                 </a:path>
               </a:pathLst>
             </a:custGeom>
-            <a:gradFill rotWithShape="true">
+            <a:gradFill rotWithShape="1">
               <a:gsLst>
                 <a:gs pos="0">
                   <a:srgbClr val="F600FE">
@@ -7313,21 +7446,28 @@
                 </a:gs>
               </a:gsLst>
               <a:path path="circle">
-                <a:fillToRect l="0" r="100000" t="0" b="100000"/>
+                <a:fillToRect r="100000" b="100000"/>
               </a:path>
-              <a:tileRect r="0" l="-100000" b="0" t="-100000"/>
+              <a:tileRect l="-100000" t="-100000"/>
             </a:gradFill>
           </p:spPr>
+          <p:txBody>
+            <a:bodyPr/>
+            <a:lstStyle/>
+            <a:p>
+              <a:endParaRPr lang="pt-PT"/>
+            </a:p>
+          </p:txBody>
         </p:sp>
       </p:grpSp>
       <p:sp>
         <p:nvSpPr>
-          <p:cNvPr name="TextBox 16" id="16"/>
-          <p:cNvSpPr txBox="true"/>
+          <p:cNvPr id="16" name="TextBox 16"/>
+          <p:cNvSpPr txBox="1"/>
           <p:nvPr/>
         </p:nvSpPr>
         <p:spPr>
-          <a:xfrm rot="0">
+          <a:xfrm>
             <a:off x="928648" y="4727817"/>
             <a:ext cx="5310749" cy="895350"/>
           </a:xfrm>
@@ -7336,12 +7476,12 @@
           </a:prstGeom>
         </p:spPr>
         <p:txBody>
-          <a:bodyPr anchor="t" rtlCol="false" tIns="0" lIns="0" bIns="0" rIns="0">
+          <a:bodyPr lIns="0" tIns="0" rIns="0" bIns="0" rtlCol="0" anchor="t">
             <a:spAutoFit/>
           </a:bodyPr>
           <a:lstStyle/>
           <a:p>
-            <a:pPr algn="ctr" marL="0" indent="0" lvl="0">
+            <a:pPr marL="0" lvl="0" indent="0" algn="ctr">
               <a:lnSpc>
                 <a:spcPts val="7049"/>
               </a:lnSpc>
@@ -7366,12 +7506,12 @@
       </p:sp>
       <p:sp>
         <p:nvSpPr>
-          <p:cNvPr name="TextBox 17" id="17"/>
-          <p:cNvSpPr txBox="true"/>
+          <p:cNvPr id="17" name="TextBox 17"/>
+          <p:cNvSpPr txBox="1"/>
           <p:nvPr/>
         </p:nvSpPr>
         <p:spPr>
-          <a:xfrm rot="0">
+          <a:xfrm>
             <a:off x="5585521" y="1200478"/>
             <a:ext cx="1320833" cy="969427"/>
           </a:xfrm>
@@ -7380,7 +7520,7 @@
           </a:prstGeom>
         </p:spPr>
         <p:txBody>
-          <a:bodyPr anchor="t" rtlCol="false" tIns="0" lIns="0" bIns="0" rIns="0">
+          <a:bodyPr lIns="0" tIns="0" rIns="0" bIns="0" rtlCol="0" anchor="t">
             <a:spAutoFit/>
           </a:bodyPr>
           <a:lstStyle/>
@@ -7391,7 +7531,7 @@
               </a:lnSpc>
             </a:pPr>
             <a:r>
-              <a:rPr lang="en-US" sz="5670" b="true">
+              <a:rPr lang="en-US" sz="5670" b="1">
                 <a:solidFill>
                   <a:srgbClr val="FFFFFF"/>
                 </a:solidFill>
@@ -7407,12 +7547,12 @@
       </p:sp>
       <p:sp>
         <p:nvSpPr>
-          <p:cNvPr name="TextBox 18" id="18"/>
-          <p:cNvSpPr txBox="true"/>
+          <p:cNvPr id="18" name="TextBox 18"/>
+          <p:cNvSpPr txBox="1"/>
           <p:nvPr/>
         </p:nvSpPr>
         <p:spPr>
-          <a:xfrm rot="0">
+          <a:xfrm>
             <a:off x="7316751" y="1455282"/>
             <a:ext cx="4349125" cy="455480"/>
           </a:xfrm>
@@ -7421,12 +7561,12 @@
           </a:prstGeom>
         </p:spPr>
         <p:txBody>
-          <a:bodyPr anchor="t" rtlCol="false" tIns="0" lIns="0" bIns="0" rIns="0">
+          <a:bodyPr lIns="0" tIns="0" rIns="0" bIns="0" rtlCol="0" anchor="t">
             <a:spAutoFit/>
           </a:bodyPr>
           <a:lstStyle/>
           <a:p>
-            <a:pPr algn="l" marL="0" indent="0" lvl="0">
+            <a:pPr marL="0" lvl="0" indent="0" algn="l">
               <a:lnSpc>
                 <a:spcPts val="3769"/>
               </a:lnSpc>
@@ -7435,7 +7575,7 @@
               </a:spcBef>
             </a:pPr>
             <a:r>
-              <a:rPr lang="en-US" sz="2692">
+              <a:rPr lang="en-US" sz="2692" dirty="0" err="1">
                 <a:solidFill>
                   <a:srgbClr val="101010"/>
                 </a:solidFill>
@@ -7447,7 +7587,7 @@
               <a:t>Materia</a:t>
             </a:r>
             <a:r>
-              <a:rPr lang="en-US" sz="2692" strike="noStrike" u="none">
+              <a:rPr lang="en-US" sz="2692" u="none" strike="noStrike" dirty="0" err="1">
                 <a:solidFill>
                   <a:srgbClr val="101010"/>
                 </a:solidFill>
@@ -7456,19 +7596,55 @@
                 <a:cs typeface="Montserrat"/>
                 <a:sym typeface="Montserrat"/>
               </a:rPr>
-              <a:t>is e a iluminação.</a:t>
+              <a:t>is</a:t>
+            </a:r>
+            <a:r>
+              <a:rPr lang="en-US" sz="2692" u="none" strike="noStrike" dirty="0">
+                <a:solidFill>
+                  <a:srgbClr val="101010"/>
+                </a:solidFill>
+                <a:latin typeface="Montserrat"/>
+                <a:ea typeface="Montserrat"/>
+                <a:cs typeface="Montserrat"/>
+                <a:sym typeface="Montserrat"/>
+              </a:rPr>
+              <a:t> e </a:t>
+            </a:r>
+            <a:r>
+              <a:rPr lang="en-US" sz="2692" u="none" strike="noStrike" dirty="0" err="1">
+                <a:solidFill>
+                  <a:srgbClr val="101010"/>
+                </a:solidFill>
+                <a:latin typeface="Montserrat"/>
+                <a:ea typeface="Montserrat"/>
+                <a:cs typeface="Montserrat"/>
+                <a:sym typeface="Montserrat"/>
+              </a:rPr>
+              <a:t>iluminação</a:t>
+            </a:r>
+            <a:r>
+              <a:rPr lang="en-US" sz="2692" u="none" strike="noStrike" dirty="0">
+                <a:solidFill>
+                  <a:srgbClr val="101010"/>
+                </a:solidFill>
+                <a:latin typeface="Montserrat"/>
+                <a:ea typeface="Montserrat"/>
+                <a:cs typeface="Montserrat"/>
+                <a:sym typeface="Montserrat"/>
+              </a:rPr>
+              <a:t>.</a:t>
             </a:r>
           </a:p>
         </p:txBody>
       </p:sp>
       <p:sp>
         <p:nvSpPr>
-          <p:cNvPr name="TextBox 19" id="19"/>
-          <p:cNvSpPr txBox="true"/>
+          <p:cNvPr id="19" name="TextBox 19"/>
+          <p:cNvSpPr txBox="1"/>
           <p:nvPr/>
         </p:nvSpPr>
         <p:spPr>
-          <a:xfrm rot="0">
+          <a:xfrm>
             <a:off x="8969686" y="3610662"/>
             <a:ext cx="3976966" cy="455480"/>
           </a:xfrm>
@@ -7477,12 +7653,12 @@
           </a:prstGeom>
         </p:spPr>
         <p:txBody>
-          <a:bodyPr anchor="t" rtlCol="false" tIns="0" lIns="0" bIns="0" rIns="0">
+          <a:bodyPr lIns="0" tIns="0" rIns="0" bIns="0" rtlCol="0" anchor="t">
             <a:spAutoFit/>
           </a:bodyPr>
           <a:lstStyle/>
           <a:p>
-            <a:pPr algn="l" marL="0" indent="0" lvl="0">
+            <a:pPr marL="0" lvl="0" indent="0" algn="l">
               <a:lnSpc>
                 <a:spcPts val="3769"/>
               </a:lnSpc>
@@ -7491,7 +7667,7 @@
               </a:spcBef>
             </a:pPr>
             <a:r>
-              <a:rPr lang="en-US" sz="2692">
+              <a:rPr lang="en-US" sz="2692" dirty="0">
                 <a:solidFill>
                   <a:srgbClr val="101010"/>
                 </a:solidFill>
@@ -7507,12 +7683,12 @@
       </p:sp>
       <p:sp>
         <p:nvSpPr>
-          <p:cNvPr name="TextBox 20" id="20"/>
-          <p:cNvSpPr txBox="true"/>
+          <p:cNvPr id="20" name="TextBox 20"/>
+          <p:cNvSpPr txBox="1"/>
           <p:nvPr/>
         </p:nvSpPr>
         <p:spPr>
-          <a:xfrm rot="0">
+          <a:xfrm>
             <a:off x="8969686" y="6228773"/>
             <a:ext cx="5127275" cy="455480"/>
           </a:xfrm>
@@ -7521,12 +7697,12 @@
           </a:prstGeom>
         </p:spPr>
         <p:txBody>
-          <a:bodyPr anchor="t" rtlCol="false" tIns="0" lIns="0" bIns="0" rIns="0">
+          <a:bodyPr lIns="0" tIns="0" rIns="0" bIns="0" rtlCol="0" anchor="t">
             <a:spAutoFit/>
           </a:bodyPr>
           <a:lstStyle/>
           <a:p>
-            <a:pPr algn="l" marL="0" indent="0" lvl="0">
+            <a:pPr marL="0" lvl="0" indent="0" algn="l">
               <a:lnSpc>
                 <a:spcPts val="3769"/>
               </a:lnSpc>
@@ -7535,7 +7711,7 @@
               </a:spcBef>
             </a:pPr>
             <a:r>
-              <a:rPr lang="en-US" sz="2692">
+              <a:rPr lang="en-US" sz="2692" dirty="0" err="1">
                 <a:solidFill>
                   <a:srgbClr val="101010"/>
                 </a:solidFill>
@@ -7547,7 +7723,7 @@
               <a:t>Gra</a:t>
             </a:r>
             <a:r>
-              <a:rPr lang="en-US" sz="2692" strike="noStrike" u="none">
+              <a:rPr lang="en-US" sz="2692" u="none" strike="noStrike" dirty="0" err="1">
                 <a:solidFill>
                   <a:srgbClr val="101010"/>
                 </a:solidFill>
@@ -7558,17 +7734,26 @@
               </a:rPr>
               <a:t>vidade</a:t>
             </a:r>
+            <a:endParaRPr lang="en-US" sz="2692" u="none" strike="noStrike" dirty="0">
+              <a:solidFill>
+                <a:srgbClr val="101010"/>
+              </a:solidFill>
+              <a:latin typeface="Montserrat"/>
+              <a:ea typeface="Montserrat"/>
+              <a:cs typeface="Montserrat"/>
+              <a:sym typeface="Montserrat"/>
+            </a:endParaRPr>
           </a:p>
         </p:txBody>
       </p:sp>
       <p:sp>
         <p:nvSpPr>
-          <p:cNvPr name="TextBox 21" id="21"/>
-          <p:cNvSpPr txBox="true"/>
+          <p:cNvPr id="21" name="TextBox 21"/>
+          <p:cNvSpPr txBox="1"/>
           <p:nvPr/>
         </p:nvSpPr>
         <p:spPr>
-          <a:xfrm rot="0">
+          <a:xfrm>
             <a:off x="7316751" y="8347337"/>
             <a:ext cx="7495556" cy="455480"/>
           </a:xfrm>
@@ -7577,12 +7762,12 @@
           </a:prstGeom>
         </p:spPr>
         <p:txBody>
-          <a:bodyPr anchor="t" rtlCol="false" tIns="0" lIns="0" bIns="0" rIns="0">
+          <a:bodyPr lIns="0" tIns="0" rIns="0" bIns="0" rtlCol="0" anchor="t">
             <a:spAutoFit/>
           </a:bodyPr>
           <a:lstStyle/>
           <a:p>
-            <a:pPr algn="l" marL="0" indent="0" lvl="0">
+            <a:pPr marL="0" lvl="0" indent="0" algn="l">
               <a:lnSpc>
                 <a:spcPts val="3769"/>
               </a:lnSpc>
@@ -7591,7 +7776,7 @@
               </a:spcBef>
             </a:pPr>
             <a:r>
-              <a:rPr lang="en-US" sz="2692">
+              <a:rPr lang="en-US" sz="2692" dirty="0" err="1">
                 <a:solidFill>
                   <a:srgbClr val="101010"/>
                 </a:solidFill>
@@ -7603,7 +7788,7 @@
               <a:t>M</a:t>
             </a:r>
             <a:r>
-              <a:rPr lang="en-US" sz="2692" strike="noStrike" u="none">
+              <a:rPr lang="en-US" sz="2692" u="none" strike="noStrike" dirty="0" err="1">
                 <a:solidFill>
                   <a:srgbClr val="101010"/>
                 </a:solidFill>
@@ -7614,17 +7799,26 @@
               </a:rPr>
               <a:t>ovimentação</a:t>
             </a:r>
+            <a:endParaRPr lang="en-US" sz="2692" u="none" strike="noStrike" dirty="0">
+              <a:solidFill>
+                <a:srgbClr val="101010"/>
+              </a:solidFill>
+              <a:latin typeface="Montserrat"/>
+              <a:ea typeface="Montserrat"/>
+              <a:cs typeface="Montserrat"/>
+              <a:sym typeface="Montserrat"/>
+            </a:endParaRPr>
           </a:p>
         </p:txBody>
       </p:sp>
       <p:sp>
         <p:nvSpPr>
-          <p:cNvPr name="TextBox 22" id="22"/>
-          <p:cNvSpPr txBox="true"/>
+          <p:cNvPr id="22" name="TextBox 22"/>
+          <p:cNvSpPr txBox="1"/>
           <p:nvPr/>
         </p:nvSpPr>
         <p:spPr>
-          <a:xfrm rot="0">
+          <a:xfrm>
             <a:off x="7108564" y="3320351"/>
             <a:ext cx="1320833" cy="969427"/>
           </a:xfrm>
@@ -7633,7 +7827,7 @@
           </a:prstGeom>
         </p:spPr>
         <p:txBody>
-          <a:bodyPr anchor="t" rtlCol="false" tIns="0" lIns="0" bIns="0" rIns="0">
+          <a:bodyPr lIns="0" tIns="0" rIns="0" bIns="0" rtlCol="0" anchor="t">
             <a:spAutoFit/>
           </a:bodyPr>
           <a:lstStyle/>
@@ -7644,7 +7838,7 @@
               </a:lnSpc>
             </a:pPr>
             <a:r>
-              <a:rPr lang="en-US" sz="5670" b="true">
+              <a:rPr lang="en-US" sz="5670" b="1">
                 <a:solidFill>
                   <a:srgbClr val="FFFFFF"/>
                 </a:solidFill>
@@ -7660,12 +7854,12 @@
       </p:sp>
       <p:sp>
         <p:nvSpPr>
-          <p:cNvPr name="TextBox 23" id="23"/>
-          <p:cNvSpPr txBox="true"/>
+          <p:cNvPr id="23" name="TextBox 23"/>
+          <p:cNvSpPr txBox="1"/>
           <p:nvPr/>
         </p:nvSpPr>
         <p:spPr>
-          <a:xfrm rot="0">
+          <a:xfrm>
             <a:off x="7108564" y="5878556"/>
             <a:ext cx="1320833" cy="969427"/>
           </a:xfrm>
@@ -7674,7 +7868,7 @@
           </a:prstGeom>
         </p:spPr>
         <p:txBody>
-          <a:bodyPr anchor="t" rtlCol="false" tIns="0" lIns="0" bIns="0" rIns="0">
+          <a:bodyPr lIns="0" tIns="0" rIns="0" bIns="0" rtlCol="0" anchor="t">
             <a:spAutoFit/>
           </a:bodyPr>
           <a:lstStyle/>
@@ -7685,7 +7879,7 @@
               </a:lnSpc>
             </a:pPr>
             <a:r>
-              <a:rPr lang="en-US" sz="5670" b="true">
+              <a:rPr lang="en-US" sz="5670" b="1">
                 <a:solidFill>
                   <a:srgbClr val="FFFFFF"/>
                 </a:solidFill>
@@ -7701,12 +7895,12 @@
       </p:sp>
       <p:sp>
         <p:nvSpPr>
-          <p:cNvPr name="TextBox 24" id="24"/>
-          <p:cNvSpPr txBox="true"/>
+          <p:cNvPr id="24" name="TextBox 24"/>
+          <p:cNvSpPr txBox="1"/>
           <p:nvPr/>
         </p:nvSpPr>
         <p:spPr>
-          <a:xfrm rot="0">
+          <a:xfrm>
             <a:off x="5585521" y="8057026"/>
             <a:ext cx="1320833" cy="969427"/>
           </a:xfrm>
@@ -7715,7 +7909,7 @@
           </a:prstGeom>
         </p:spPr>
         <p:txBody>
-          <a:bodyPr anchor="t" rtlCol="false" tIns="0" lIns="0" bIns="0" rIns="0">
+          <a:bodyPr lIns="0" tIns="0" rIns="0" bIns="0" rtlCol="0" anchor="t">
             <a:spAutoFit/>
           </a:bodyPr>
           <a:lstStyle/>
@@ -7726,7 +7920,7 @@
               </a:lnSpc>
             </a:pPr>
             <a:r>
-              <a:rPr lang="en-US" sz="5670" b="true">
+              <a:rPr lang="en-US" sz="5670" b="1">
                 <a:solidFill>
                   <a:srgbClr val="FFFFFF"/>
                 </a:solidFill>
@@ -7742,12 +7936,12 @@
       </p:sp>
       <p:grpSp>
         <p:nvGrpSpPr>
-          <p:cNvPr name="Group 25" id="25"/>
+          <p:cNvPr id="25" name="Group 25"/>
           <p:cNvGrpSpPr/>
           <p:nvPr/>
         </p:nvGrpSpPr>
         <p:grpSpPr>
-          <a:xfrm rot="0">
+          <a:xfrm>
             <a:off x="5099601" y="7176625"/>
             <a:ext cx="457877" cy="457877"/>
             <a:chOff x="0" y="0"/>
@@ -7756,12 +7950,12 @@
         </p:grpSpPr>
         <p:sp>
           <p:nvSpPr>
-            <p:cNvPr name="Freeform 26" id="26"/>
+            <p:cNvPr id="26" name="Freeform 26"/>
             <p:cNvSpPr/>
             <p:nvPr/>
           </p:nvSpPr>
           <p:spPr>
-            <a:xfrm flipH="false" flipV="false" rot="0">
+            <a:xfrm>
               <a:off x="0" y="0"/>
               <a:ext cx="812800" cy="812800"/>
             </a:xfrm>
@@ -7770,9 +7964,9 @@
               <a:gdLst/>
               <a:ahLst/>
               <a:cxnLst/>
-              <a:rect r="r" b="b" t="t" l="l"/>
+              <a:rect l="l" t="t" r="r" b="b"/>
               <a:pathLst>
-                <a:path h="812800" w="812800">
+                <a:path w="812800" h="812800">
                   <a:moveTo>
                     <a:pt x="406400" y="0"/>
                   </a:moveTo>
@@ -7800,7 +7994,7 @@
                 </a:path>
               </a:pathLst>
             </a:custGeom>
-            <a:gradFill rotWithShape="true">
+            <a:gradFill rotWithShape="1">
               <a:gsLst>
                 <a:gs pos="0">
                   <a:srgbClr val="F600FE">
@@ -7829,9 +8023,9 @@
                 </a:gs>
               </a:gsLst>
               <a:path path="circle">
-                <a:fillToRect l="0" r="100000" t="0" b="100000"/>
+                <a:fillToRect r="100000" b="100000"/>
               </a:path>
-              <a:tileRect r="0" l="-100000" b="0" t="-100000"/>
+              <a:tileRect l="-100000" t="-100000"/>
             </a:gradFill>
             <a:ln w="38100" cap="sq">
               <a:solidFill>
@@ -7841,11 +8035,18 @@
               <a:miter/>
             </a:ln>
           </p:spPr>
+          <p:txBody>
+            <a:bodyPr/>
+            <a:lstStyle/>
+            <a:p>
+              <a:endParaRPr lang="pt-PT"/>
+            </a:p>
+          </p:txBody>
         </p:sp>
         <p:sp>
           <p:nvSpPr>
-            <p:cNvPr name="TextBox 27" id="27"/>
-            <p:cNvSpPr txBox="true"/>
+            <p:cNvPr id="27" name="TextBox 27"/>
+            <p:cNvSpPr txBox="1"/>
             <p:nvPr/>
           </p:nvSpPr>
           <p:spPr>
@@ -7858,7 +8059,7 @@
             </a:prstGeom>
           </p:spPr>
           <p:txBody>
-            <a:bodyPr anchor="ctr" rtlCol="false" tIns="0" lIns="0" bIns="0" rIns="0"/>
+            <a:bodyPr lIns="0" tIns="0" rIns="0" bIns="0" rtlCol="0" anchor="ctr"/>
             <a:lstStyle/>
             <a:p>
               <a:pPr algn="ctr">
@@ -7866,18 +8067,19 @@
                   <a:spcPts val="3640"/>
                 </a:lnSpc>
               </a:pPr>
+              <a:endParaRPr/>
             </a:p>
           </p:txBody>
         </p:sp>
       </p:grpSp>
       <p:grpSp>
         <p:nvGrpSpPr>
-          <p:cNvPr name="Group 28" id="28"/>
+          <p:cNvPr id="28" name="Group 28"/>
           <p:cNvGrpSpPr/>
           <p:nvPr/>
         </p:nvGrpSpPr>
         <p:grpSpPr>
-          <a:xfrm rot="0">
+          <a:xfrm>
             <a:off x="6054450" y="5686149"/>
             <a:ext cx="457877" cy="457877"/>
             <a:chOff x="0" y="0"/>
@@ -7886,12 +8088,12 @@
         </p:grpSpPr>
         <p:sp>
           <p:nvSpPr>
-            <p:cNvPr name="Freeform 29" id="29"/>
+            <p:cNvPr id="29" name="Freeform 29"/>
             <p:cNvSpPr/>
             <p:nvPr/>
           </p:nvSpPr>
           <p:spPr>
-            <a:xfrm flipH="false" flipV="false" rot="0">
+            <a:xfrm>
               <a:off x="0" y="0"/>
               <a:ext cx="812800" cy="812800"/>
             </a:xfrm>
@@ -7900,9 +8102,9 @@
               <a:gdLst/>
               <a:ahLst/>
               <a:cxnLst/>
-              <a:rect r="r" b="b" t="t" l="l"/>
+              <a:rect l="l" t="t" r="r" b="b"/>
               <a:pathLst>
-                <a:path h="812800" w="812800">
+                <a:path w="812800" h="812800">
                   <a:moveTo>
                     <a:pt x="406400" y="0"/>
                   </a:moveTo>
@@ -7930,7 +8132,7 @@
                 </a:path>
               </a:pathLst>
             </a:custGeom>
-            <a:gradFill rotWithShape="true">
+            <a:gradFill rotWithShape="1">
               <a:gsLst>
                 <a:gs pos="0">
                   <a:srgbClr val="F600FE">
@@ -7959,9 +8161,9 @@
                 </a:gs>
               </a:gsLst>
               <a:path path="circle">
-                <a:fillToRect l="0" r="100000" t="0" b="100000"/>
+                <a:fillToRect r="100000" b="100000"/>
               </a:path>
-              <a:tileRect r="0" l="-100000" b="0" t="-100000"/>
+              <a:tileRect l="-100000" t="-100000"/>
             </a:gradFill>
             <a:ln w="38100" cap="sq">
               <a:solidFill>
@@ -7971,11 +8173,18 @@
               <a:miter/>
             </a:ln>
           </p:spPr>
+          <p:txBody>
+            <a:bodyPr/>
+            <a:lstStyle/>
+            <a:p>
+              <a:endParaRPr lang="pt-PT"/>
+            </a:p>
+          </p:txBody>
         </p:sp>
         <p:sp>
           <p:nvSpPr>
-            <p:cNvPr name="TextBox 30" id="30"/>
-            <p:cNvSpPr txBox="true"/>
+            <p:cNvPr id="30" name="TextBox 30"/>
+            <p:cNvSpPr txBox="1"/>
             <p:nvPr/>
           </p:nvSpPr>
           <p:spPr>
@@ -7988,7 +8197,7 @@
             </a:prstGeom>
           </p:spPr>
           <p:txBody>
-            <a:bodyPr anchor="ctr" rtlCol="false" tIns="0" lIns="0" bIns="0" rIns="0"/>
+            <a:bodyPr lIns="0" tIns="0" rIns="0" bIns="0" rtlCol="0" anchor="ctr"/>
             <a:lstStyle/>
             <a:p>
               <a:pPr algn="ctr">
@@ -7996,18 +8205,19 @@
                   <a:spcPts val="3640"/>
                 </a:lnSpc>
               </a:pPr>
+              <a:endParaRPr/>
             </a:p>
           </p:txBody>
         </p:sp>
       </p:grpSp>
       <p:grpSp>
         <p:nvGrpSpPr>
-          <p:cNvPr name="Group 31" id="31"/>
+          <p:cNvPr id="31" name="Group 31"/>
           <p:cNvGrpSpPr/>
           <p:nvPr/>
         </p:nvGrpSpPr>
         <p:grpSpPr>
-          <a:xfrm rot="0">
+          <a:xfrm>
             <a:off x="6054450" y="4121207"/>
             <a:ext cx="457877" cy="457877"/>
             <a:chOff x="0" y="0"/>
@@ -8016,12 +8226,12 @@
         </p:grpSpPr>
         <p:sp>
           <p:nvSpPr>
-            <p:cNvPr name="Freeform 32" id="32"/>
+            <p:cNvPr id="32" name="Freeform 32"/>
             <p:cNvSpPr/>
             <p:nvPr/>
           </p:nvSpPr>
           <p:spPr>
-            <a:xfrm flipH="false" flipV="false" rot="0">
+            <a:xfrm>
               <a:off x="0" y="0"/>
               <a:ext cx="812800" cy="812800"/>
             </a:xfrm>
@@ -8030,9 +8240,9 @@
               <a:gdLst/>
               <a:ahLst/>
               <a:cxnLst/>
-              <a:rect r="r" b="b" t="t" l="l"/>
+              <a:rect l="l" t="t" r="r" b="b"/>
               <a:pathLst>
-                <a:path h="812800" w="812800">
+                <a:path w="812800" h="812800">
                   <a:moveTo>
                     <a:pt x="406400" y="0"/>
                   </a:moveTo>
@@ -8060,7 +8270,7 @@
                 </a:path>
               </a:pathLst>
             </a:custGeom>
-            <a:gradFill rotWithShape="true">
+            <a:gradFill rotWithShape="1">
               <a:gsLst>
                 <a:gs pos="0">
                   <a:srgbClr val="F600FE">
@@ -8089,9 +8299,9 @@
                 </a:gs>
               </a:gsLst>
               <a:path path="circle">
-                <a:fillToRect l="0" r="100000" t="0" b="100000"/>
+                <a:fillToRect r="100000" b="100000"/>
               </a:path>
-              <a:tileRect r="0" l="-100000" b="0" t="-100000"/>
+              <a:tileRect l="-100000" t="-100000"/>
             </a:gradFill>
             <a:ln w="38100" cap="sq">
               <a:solidFill>
@@ -8101,11 +8311,18 @@
               <a:miter/>
             </a:ln>
           </p:spPr>
+          <p:txBody>
+            <a:bodyPr/>
+            <a:lstStyle/>
+            <a:p>
+              <a:endParaRPr lang="pt-PT"/>
+            </a:p>
+          </p:txBody>
         </p:sp>
         <p:sp>
           <p:nvSpPr>
-            <p:cNvPr name="TextBox 33" id="33"/>
-            <p:cNvSpPr txBox="true"/>
+            <p:cNvPr id="33" name="TextBox 33"/>
+            <p:cNvSpPr txBox="1"/>
             <p:nvPr/>
           </p:nvSpPr>
           <p:spPr>
@@ -8118,7 +8335,7 @@
             </a:prstGeom>
           </p:spPr>
           <p:txBody>
-            <a:bodyPr anchor="ctr" rtlCol="false" tIns="0" lIns="0" bIns="0" rIns="0"/>
+            <a:bodyPr lIns="0" tIns="0" rIns="0" bIns="0" rtlCol="0" anchor="ctr"/>
             <a:lstStyle/>
             <a:p>
               <a:pPr algn="ctr">
@@ -8126,18 +8343,19 @@
                   <a:spcPts val="3640"/>
                 </a:lnSpc>
               </a:pPr>
+              <a:endParaRPr/>
             </a:p>
           </p:txBody>
         </p:sp>
       </p:grpSp>
       <p:grpSp>
         <p:nvGrpSpPr>
-          <p:cNvPr name="Group 34" id="34"/>
+          <p:cNvPr id="34" name="Group 34"/>
           <p:cNvGrpSpPr/>
           <p:nvPr/>
         </p:nvGrpSpPr>
         <p:grpSpPr>
-          <a:xfrm rot="0">
+          <a:xfrm>
             <a:off x="5099601" y="2758149"/>
             <a:ext cx="457877" cy="457877"/>
             <a:chOff x="0" y="0"/>
@@ -8146,12 +8364,12 @@
         </p:grpSpPr>
         <p:sp>
           <p:nvSpPr>
-            <p:cNvPr name="Freeform 35" id="35"/>
+            <p:cNvPr id="35" name="Freeform 35"/>
             <p:cNvSpPr/>
             <p:nvPr/>
           </p:nvSpPr>
           <p:spPr>
-            <a:xfrm flipH="false" flipV="false" rot="0">
+            <a:xfrm>
               <a:off x="0" y="0"/>
               <a:ext cx="812800" cy="812800"/>
             </a:xfrm>
@@ -8160,9 +8378,9 @@
               <a:gdLst/>
               <a:ahLst/>
               <a:cxnLst/>
-              <a:rect r="r" b="b" t="t" l="l"/>
+              <a:rect l="l" t="t" r="r" b="b"/>
               <a:pathLst>
-                <a:path h="812800" w="812800">
+                <a:path w="812800" h="812800">
                   <a:moveTo>
                     <a:pt x="406400" y="0"/>
                   </a:moveTo>
@@ -8190,7 +8408,7 @@
                 </a:path>
               </a:pathLst>
             </a:custGeom>
-            <a:gradFill rotWithShape="true">
+            <a:gradFill rotWithShape="1">
               <a:gsLst>
                 <a:gs pos="0">
                   <a:srgbClr val="F600FE">
@@ -8219,9 +8437,9 @@
                 </a:gs>
               </a:gsLst>
               <a:path path="circle">
-                <a:fillToRect l="0" r="100000" t="0" b="100000"/>
+                <a:fillToRect r="100000" b="100000"/>
               </a:path>
-              <a:tileRect r="0" l="-100000" b="0" t="-100000"/>
+              <a:tileRect l="-100000" t="-100000"/>
             </a:gradFill>
             <a:ln w="38100" cap="sq">
               <a:solidFill>
@@ -8231,11 +8449,18 @@
               <a:miter/>
             </a:ln>
           </p:spPr>
+          <p:txBody>
+            <a:bodyPr/>
+            <a:lstStyle/>
+            <a:p>
+              <a:endParaRPr lang="pt-PT"/>
+            </a:p>
+          </p:txBody>
         </p:sp>
         <p:sp>
           <p:nvSpPr>
-            <p:cNvPr name="TextBox 36" id="36"/>
-            <p:cNvSpPr txBox="true"/>
+            <p:cNvPr id="36" name="TextBox 36"/>
+            <p:cNvSpPr txBox="1"/>
             <p:nvPr/>
           </p:nvSpPr>
           <p:spPr>
@@ -8248,7 +8473,7 @@
             </a:prstGeom>
           </p:spPr>
           <p:txBody>
-            <a:bodyPr anchor="ctr" rtlCol="false" tIns="0" lIns="0" bIns="0" rIns="0"/>
+            <a:bodyPr lIns="0" tIns="0" rIns="0" bIns="0" rtlCol="0" anchor="ctr"/>
             <a:lstStyle/>
             <a:p>
               <a:pPr algn="ctr">
@@ -8256,18 +8481,19 @@
                   <a:spcPts val="3640"/>
                 </a:lnSpc>
               </a:pPr>
+              <a:endParaRPr/>
             </a:p>
           </p:txBody>
         </p:sp>
       </p:grpSp>
       <p:sp>
         <p:nvSpPr>
-          <p:cNvPr name="Freeform 37" id="37"/>
+          <p:cNvPr id="37" name="Freeform 37"/>
           <p:cNvSpPr/>
           <p:nvPr/>
         </p:nvSpPr>
         <p:spPr>
-          <a:xfrm flipH="false" flipV="false" rot="-1898322">
+          <a:xfrm rot="-1898322">
             <a:off x="-1987267" y="8095155"/>
             <a:ext cx="4891502" cy="4903762"/>
           </a:xfrm>
@@ -8276,9 +8502,9 @@
             <a:gdLst/>
             <a:ahLst/>
             <a:cxnLst/>
-            <a:rect r="r" b="b" t="t" l="l"/>
+            <a:rect l="l" t="t" r="r" b="b"/>
             <a:pathLst>
-              <a:path h="4903762" w="4891502">
+              <a:path w="4891502" h="4903762">
                 <a:moveTo>
                   <a:pt x="0" y="0"/>
                 </a:moveTo>
@@ -8301,10 +8527,17 @@
           <a:blipFill>
             <a:blip r:embed="rId2"/>
             <a:stretch>
-              <a:fillRect l="0" t="0" r="0" b="0"/>
+              <a:fillRect/>
             </a:stretch>
           </a:blipFill>
         </p:spPr>
+        <p:txBody>
+          <a:bodyPr/>
+          <a:lstStyle/>
+          <a:p>
+            <a:endParaRPr lang="pt-PT"/>
+          </a:p>
+        </p:txBody>
       </p:sp>
     </p:spTree>
   </p:cSld>
@@ -8315,7 +8548,7 @@
 </file>
 
 <file path=ppt/slides/slide4.xml><?xml version="1.0" encoding="utf-8"?>
-<p:sld xmlns:p="http://schemas.openxmlformats.org/presentationml/2006/main" xmlns:a="http://schemas.openxmlformats.org/drawingml/2006/main" xmlns:r="http://schemas.openxmlformats.org/officeDocument/2006/relationships">
+<p:sld xmlns:a="http://schemas.openxmlformats.org/drawingml/2006/main" xmlns:r="http://schemas.openxmlformats.org/officeDocument/2006/relationships" xmlns:p="http://schemas.openxmlformats.org/presentationml/2006/main">
   <p:cSld>
     <p:spTree>
       <p:nvGrpSpPr>
@@ -8333,12 +8566,12 @@
       </p:grpSpPr>
       <p:sp>
         <p:nvSpPr>
-          <p:cNvPr name="Freeform 2" id="2"/>
+          <p:cNvPr id="2" name="Freeform 2"/>
           <p:cNvSpPr/>
           <p:nvPr/>
         </p:nvSpPr>
         <p:spPr>
-          <a:xfrm flipH="false" flipV="false" rot="-1898322">
+          <a:xfrm rot="-1898322">
             <a:off x="12719553" y="-4023370"/>
             <a:ext cx="8774178" cy="8796169"/>
           </a:xfrm>
@@ -8347,9 +8580,9 @@
             <a:gdLst/>
             <a:ahLst/>
             <a:cxnLst/>
-            <a:rect r="r" b="b" t="t" l="l"/>
+            <a:rect l="l" t="t" r="r" b="b"/>
             <a:pathLst>
-              <a:path h="8796169" w="8774178">
+              <a:path w="8774178" h="8796169">
                 <a:moveTo>
                   <a:pt x="0" y="0"/>
                 </a:moveTo>
@@ -8372,19 +8605,26 @@
           <a:blipFill>
             <a:blip r:embed="rId2"/>
             <a:stretch>
-              <a:fillRect l="0" t="0" r="0" b="0"/>
+              <a:fillRect/>
             </a:stretch>
           </a:blipFill>
         </p:spPr>
+        <p:txBody>
+          <a:bodyPr/>
+          <a:lstStyle/>
+          <a:p>
+            <a:endParaRPr lang="pt-PT"/>
+          </a:p>
+        </p:txBody>
       </p:sp>
       <p:grpSp>
         <p:nvGrpSpPr>
-          <p:cNvPr name="Group 3" id="3"/>
+          <p:cNvPr id="3" name="Group 3"/>
           <p:cNvGrpSpPr/>
           <p:nvPr/>
         </p:nvGrpSpPr>
         <p:grpSpPr>
-          <a:xfrm rot="0">
+          <a:xfrm>
             <a:off x="483487" y="2086897"/>
             <a:ext cx="6218139" cy="6218139"/>
             <a:chOff x="0" y="0"/>
@@ -8393,12 +8633,12 @@
         </p:grpSpPr>
         <p:sp>
           <p:nvSpPr>
-            <p:cNvPr name="Freeform 4" id="4"/>
+            <p:cNvPr id="4" name="Freeform 4"/>
             <p:cNvSpPr/>
             <p:nvPr/>
           </p:nvSpPr>
           <p:spPr>
-            <a:xfrm flipH="false" flipV="false" rot="0">
+            <a:xfrm>
               <a:off x="0" y="0"/>
               <a:ext cx="812800" cy="812800"/>
             </a:xfrm>
@@ -8407,9 +8647,9 @@
               <a:gdLst/>
               <a:ahLst/>
               <a:cxnLst/>
-              <a:rect r="r" b="b" t="t" l="l"/>
+              <a:rect l="l" t="t" r="r" b="b"/>
               <a:pathLst>
-                <a:path h="812800" w="812800">
+                <a:path w="812800" h="812800">
                   <a:moveTo>
                     <a:pt x="406400" y="0"/>
                   </a:moveTo>
@@ -8437,7 +8677,7 @@
                 </a:path>
               </a:pathLst>
             </a:custGeom>
-            <a:gradFill rotWithShape="true">
+            <a:gradFill rotWithShape="1">
               <a:gsLst>
                 <a:gs pos="0">
                   <a:srgbClr val="F600FE">
@@ -8466,9 +8706,9 @@
                 </a:gs>
               </a:gsLst>
               <a:path path="circle">
-                <a:fillToRect l="0" r="100000" t="0" b="100000"/>
+                <a:fillToRect r="100000" b="100000"/>
               </a:path>
-              <a:tileRect r="0" l="-100000" b="0" t="-100000"/>
+              <a:tileRect l="-100000" t="-100000"/>
             </a:gradFill>
             <a:ln cap="sq">
               <a:noFill/>
@@ -8476,11 +8716,18 @@
               <a:miter/>
             </a:ln>
           </p:spPr>
+          <p:txBody>
+            <a:bodyPr/>
+            <a:lstStyle/>
+            <a:p>
+              <a:endParaRPr lang="pt-PT"/>
+            </a:p>
+          </p:txBody>
         </p:sp>
         <p:sp>
           <p:nvSpPr>
-            <p:cNvPr name="TextBox 5" id="5"/>
-            <p:cNvSpPr txBox="true"/>
+            <p:cNvPr id="5" name="TextBox 5"/>
+            <p:cNvSpPr txBox="1"/>
             <p:nvPr/>
           </p:nvSpPr>
           <p:spPr>
@@ -8493,7 +8740,7 @@
             </a:prstGeom>
           </p:spPr>
           <p:txBody>
-            <a:bodyPr anchor="ctr" rtlCol="false" tIns="0" lIns="0" bIns="0" rIns="0"/>
+            <a:bodyPr lIns="0" tIns="0" rIns="0" bIns="0" rtlCol="0" anchor="ctr"/>
             <a:lstStyle/>
             <a:p>
               <a:pPr algn="ctr">
@@ -8501,18 +8748,19 @@
                   <a:spcPts val="3640"/>
                 </a:lnSpc>
               </a:pPr>
+              <a:endParaRPr/>
             </a:p>
           </p:txBody>
         </p:sp>
       </p:grpSp>
       <p:grpSp>
         <p:nvGrpSpPr>
-          <p:cNvPr name="Group 6" id="6"/>
+          <p:cNvPr id="6" name="Group 6"/>
           <p:cNvGrpSpPr/>
           <p:nvPr/>
         </p:nvGrpSpPr>
         <p:grpSpPr>
-          <a:xfrm rot="0">
+          <a:xfrm>
             <a:off x="741219" y="2363976"/>
             <a:ext cx="5685609" cy="5688763"/>
             <a:chOff x="0" y="0"/>
@@ -8521,12 +8769,12 @@
         </p:grpSpPr>
         <p:sp>
           <p:nvSpPr>
-            <p:cNvPr name="Freeform 7" id="7"/>
+            <p:cNvPr id="7" name="Freeform 7"/>
             <p:cNvSpPr/>
             <p:nvPr/>
           </p:nvSpPr>
           <p:spPr>
-            <a:xfrm flipH="false" flipV="false" rot="0">
+            <a:xfrm>
               <a:off x="0" y="0"/>
               <a:ext cx="6489446" cy="6493002"/>
             </a:xfrm>
@@ -8535,9 +8783,9 @@
               <a:gdLst/>
               <a:ahLst/>
               <a:cxnLst/>
-              <a:rect r="r" b="b" t="t" l="l"/>
+              <a:rect l="l" t="t" r="r" b="b"/>
               <a:pathLst>
-                <a:path h="6493002" w="6489446">
+                <a:path w="6489446" h="6493002">
                   <a:moveTo>
                     <a:pt x="3244723" y="6493002"/>
                   </a:moveTo>
@@ -11231,16 +11479,23 @@
               <a:srgbClr val="FFFFFF"/>
             </a:solidFill>
           </p:spPr>
+          <p:txBody>
+            <a:bodyPr/>
+            <a:lstStyle/>
+            <a:p>
+              <a:endParaRPr lang="pt-PT"/>
+            </a:p>
+          </p:txBody>
         </p:sp>
       </p:grpSp>
       <p:grpSp>
         <p:nvGrpSpPr>
-          <p:cNvPr name="Group 8" id="8"/>
+          <p:cNvPr id="8" name="Group 8"/>
           <p:cNvGrpSpPr/>
           <p:nvPr/>
         </p:nvGrpSpPr>
         <p:grpSpPr>
-          <a:xfrm rot="0">
+          <a:xfrm>
             <a:off x="6239651" y="6786901"/>
             <a:ext cx="1991835" cy="1749650"/>
             <a:chOff x="0" y="0"/>
@@ -11249,12 +11504,12 @@
         </p:grpSpPr>
         <p:sp>
           <p:nvSpPr>
-            <p:cNvPr name="Freeform 9" id="9"/>
+            <p:cNvPr id="9" name="Freeform 9"/>
             <p:cNvSpPr/>
             <p:nvPr/>
           </p:nvSpPr>
           <p:spPr>
-            <a:xfrm flipH="false" flipV="false" rot="0">
+            <a:xfrm>
               <a:off x="0" y="0"/>
               <a:ext cx="2374519" cy="2085848"/>
             </a:xfrm>
@@ -11263,9 +11518,9 @@
               <a:gdLst/>
               <a:ahLst/>
               <a:cxnLst/>
-              <a:rect r="r" b="b" t="t" l="l"/>
+              <a:rect l="l" t="t" r="r" b="b"/>
               <a:pathLst>
-                <a:path h="2085848" w="2374519">
+                <a:path w="2374519" h="2085848">
                   <a:moveTo>
                     <a:pt x="1331849" y="0"/>
                   </a:moveTo>
@@ -11308,7 +11563,7 @@
                 </a:path>
               </a:pathLst>
             </a:custGeom>
-            <a:gradFill rotWithShape="true">
+            <a:gradFill rotWithShape="1">
               <a:gsLst>
                 <a:gs pos="0">
                   <a:srgbClr val="F600FE">
@@ -11337,21 +11592,28 @@
                 </a:gs>
               </a:gsLst>
               <a:path path="circle">
-                <a:fillToRect l="0" r="100000" t="0" b="100000"/>
+                <a:fillToRect r="100000" b="100000"/>
               </a:path>
-              <a:tileRect r="0" l="-100000" b="0" t="-100000"/>
+              <a:tileRect l="-100000" t="-100000"/>
             </a:gradFill>
           </p:spPr>
+          <p:txBody>
+            <a:bodyPr/>
+            <a:lstStyle/>
+            <a:p>
+              <a:endParaRPr lang="pt-PT"/>
+            </a:p>
+          </p:txBody>
         </p:sp>
       </p:grpSp>
       <p:grpSp>
         <p:nvGrpSpPr>
-          <p:cNvPr name="Group 10" id="10"/>
+          <p:cNvPr id="10" name="Group 10"/>
           <p:cNvGrpSpPr/>
           <p:nvPr/>
         </p:nvGrpSpPr>
         <p:grpSpPr>
-          <a:xfrm rot="0">
+          <a:xfrm>
             <a:off x="6900068" y="4084453"/>
             <a:ext cx="1991835" cy="1750254"/>
             <a:chOff x="0" y="0"/>
@@ -11360,12 +11622,12 @@
         </p:grpSpPr>
         <p:sp>
           <p:nvSpPr>
-            <p:cNvPr name="Freeform 11" id="11"/>
+            <p:cNvPr id="11" name="Freeform 11"/>
             <p:cNvSpPr/>
             <p:nvPr/>
           </p:nvSpPr>
           <p:spPr>
-            <a:xfrm flipH="false" flipV="false" rot="0">
+            <a:xfrm>
               <a:off x="0" y="0"/>
               <a:ext cx="2374519" cy="2086610"/>
             </a:xfrm>
@@ -11374,9 +11636,9 @@
               <a:gdLst/>
               <a:ahLst/>
               <a:cxnLst/>
-              <a:rect r="r" b="b" t="t" l="l"/>
+              <a:rect l="l" t="t" r="r" b="b"/>
               <a:pathLst>
-                <a:path h="2086610" w="2374519">
+                <a:path w="2374519" h="2086610">
                   <a:moveTo>
                     <a:pt x="1331849" y="0"/>
                   </a:moveTo>
@@ -11419,7 +11681,7 @@
                 </a:path>
               </a:pathLst>
             </a:custGeom>
-            <a:gradFill rotWithShape="true">
+            <a:gradFill rotWithShape="1">
               <a:gsLst>
                 <a:gs pos="0">
                   <a:srgbClr val="F600FE">
@@ -11448,21 +11710,28 @@
                 </a:gs>
               </a:gsLst>
               <a:path path="circle">
-                <a:fillToRect l="0" r="100000" t="0" b="100000"/>
+                <a:fillToRect r="100000" b="100000"/>
               </a:path>
-              <a:tileRect r="0" l="-100000" b="0" t="-100000"/>
+              <a:tileRect l="-100000" t="-100000"/>
             </a:gradFill>
           </p:spPr>
+          <p:txBody>
+            <a:bodyPr/>
+            <a:lstStyle/>
+            <a:p>
+              <a:endParaRPr lang="pt-PT"/>
+            </a:p>
+          </p:txBody>
         </p:sp>
       </p:grpSp>
       <p:grpSp>
         <p:nvGrpSpPr>
-          <p:cNvPr name="Group 12" id="12"/>
+          <p:cNvPr id="12" name="Group 12"/>
           <p:cNvGrpSpPr/>
           <p:nvPr/>
         </p:nvGrpSpPr>
         <p:grpSpPr>
-          <a:xfrm rot="0">
+          <a:xfrm>
             <a:off x="6058466" y="1189725"/>
             <a:ext cx="1758106" cy="1797363"/>
             <a:chOff x="0" y="0"/>
@@ -11471,12 +11740,12 @@
         </p:grpSpPr>
         <p:sp>
           <p:nvSpPr>
-            <p:cNvPr name="Freeform 13" id="13"/>
+            <p:cNvPr id="13" name="Freeform 13"/>
             <p:cNvSpPr/>
             <p:nvPr/>
           </p:nvSpPr>
           <p:spPr>
-            <a:xfrm flipH="false" flipV="false" rot="0">
+            <a:xfrm>
               <a:off x="0" y="0"/>
               <a:ext cx="2096008" cy="2142744"/>
             </a:xfrm>
@@ -11485,9 +11754,9 @@
               <a:gdLst/>
               <a:ahLst/>
               <a:cxnLst/>
-              <a:rect r="r" b="b" t="t" l="l"/>
+              <a:rect l="l" t="t" r="r" b="b"/>
               <a:pathLst>
-                <a:path h="2142744" w="2096008">
+                <a:path w="2096008" h="2142744">
                   <a:moveTo>
                     <a:pt x="1051814" y="0"/>
                   </a:moveTo>
@@ -11530,7 +11799,7 @@
                 </a:path>
               </a:pathLst>
             </a:custGeom>
-            <a:gradFill rotWithShape="true">
+            <a:gradFill rotWithShape="1">
               <a:gsLst>
                 <a:gs pos="0">
                   <a:srgbClr val="F600FE">
@@ -11559,21 +11828,28 @@
                 </a:gs>
               </a:gsLst>
               <a:path path="circle">
-                <a:fillToRect l="0" r="100000" t="0" b="100000"/>
+                <a:fillToRect r="100000" b="100000"/>
               </a:path>
-              <a:tileRect r="0" l="-100000" b="0" t="-100000"/>
+              <a:tileRect l="-100000" t="-100000"/>
             </a:gradFill>
           </p:spPr>
+          <p:txBody>
+            <a:bodyPr/>
+            <a:lstStyle/>
+            <a:p>
+              <a:endParaRPr lang="pt-PT"/>
+            </a:p>
+          </p:txBody>
         </p:sp>
       </p:grpSp>
       <p:sp>
         <p:nvSpPr>
-          <p:cNvPr name="TextBox 14" id="14"/>
-          <p:cNvSpPr txBox="true"/>
+          <p:cNvPr id="14" name="TextBox 14"/>
+          <p:cNvSpPr txBox="1"/>
           <p:nvPr/>
         </p:nvSpPr>
         <p:spPr>
-          <a:xfrm rot="0">
+          <a:xfrm>
             <a:off x="1109580" y="4691063"/>
             <a:ext cx="4948885" cy="895350"/>
           </a:xfrm>
@@ -11582,12 +11858,12 @@
           </a:prstGeom>
         </p:spPr>
         <p:txBody>
-          <a:bodyPr anchor="t" rtlCol="false" tIns="0" lIns="0" bIns="0" rIns="0">
+          <a:bodyPr lIns="0" tIns="0" rIns="0" bIns="0" rtlCol="0" anchor="t">
             <a:spAutoFit/>
           </a:bodyPr>
           <a:lstStyle/>
           <a:p>
-            <a:pPr algn="ctr" marL="0" indent="0" lvl="0">
+            <a:pPr marL="0" lvl="0" indent="0" algn="ctr">
               <a:lnSpc>
                 <a:spcPts val="7049"/>
               </a:lnSpc>
@@ -11612,12 +11888,12 @@
       </p:sp>
       <p:sp>
         <p:nvSpPr>
-          <p:cNvPr name="TextBox 15" id="15"/>
-          <p:cNvSpPr txBox="true"/>
+          <p:cNvPr id="15" name="TextBox 15"/>
+          <p:cNvSpPr txBox="1"/>
           <p:nvPr/>
         </p:nvSpPr>
         <p:spPr>
-          <a:xfrm rot="0">
+          <a:xfrm>
             <a:off x="6239651" y="1546543"/>
             <a:ext cx="1320833" cy="969427"/>
           </a:xfrm>
@@ -11626,7 +11902,7 @@
           </a:prstGeom>
         </p:spPr>
         <p:txBody>
-          <a:bodyPr anchor="t" rtlCol="false" tIns="0" lIns="0" bIns="0" rIns="0">
+          <a:bodyPr lIns="0" tIns="0" rIns="0" bIns="0" rtlCol="0" anchor="t">
             <a:spAutoFit/>
           </a:bodyPr>
           <a:lstStyle/>
@@ -11637,7 +11913,7 @@
               </a:lnSpc>
             </a:pPr>
             <a:r>
-              <a:rPr lang="en-US" sz="5670" b="true">
+              <a:rPr lang="en-US" sz="5670" b="1">
                 <a:solidFill>
                   <a:srgbClr val="FFFFFF"/>
                 </a:solidFill>
@@ -11653,12 +11929,12 @@
       </p:sp>
       <p:sp>
         <p:nvSpPr>
-          <p:cNvPr name="TextBox 16" id="16"/>
-          <p:cNvSpPr txBox="true"/>
+          <p:cNvPr id="16" name="TextBox 16"/>
+          <p:cNvSpPr txBox="1"/>
           <p:nvPr/>
         </p:nvSpPr>
         <p:spPr>
-          <a:xfrm rot="0">
+          <a:xfrm>
             <a:off x="7970881" y="1801347"/>
             <a:ext cx="4349125" cy="455480"/>
           </a:xfrm>
@@ -11667,12 +11943,12 @@
           </a:prstGeom>
         </p:spPr>
         <p:txBody>
-          <a:bodyPr anchor="t" rtlCol="false" tIns="0" lIns="0" bIns="0" rIns="0">
+          <a:bodyPr lIns="0" tIns="0" rIns="0" bIns="0" rtlCol="0" anchor="t">
             <a:spAutoFit/>
           </a:bodyPr>
           <a:lstStyle/>
           <a:p>
-            <a:pPr algn="l" marL="0" indent="0" lvl="0">
+            <a:pPr marL="0" lvl="0" indent="0" algn="l">
               <a:lnSpc>
                 <a:spcPts val="3769"/>
               </a:lnSpc>
@@ -11681,7 +11957,7 @@
               </a:spcBef>
             </a:pPr>
             <a:r>
-              <a:rPr lang="en-US" sz="2692">
+              <a:rPr lang="en-US" sz="2692" dirty="0" err="1">
                 <a:solidFill>
                   <a:srgbClr val="101010"/>
                 </a:solidFill>
@@ -11690,10 +11966,10 @@
                 <a:cs typeface="Montserrat"/>
                 <a:sym typeface="Montserrat"/>
               </a:rPr>
-              <a:t>Detecção</a:t>
+              <a:t>Deteção</a:t>
             </a:r>
             <a:r>
-              <a:rPr lang="en-US" sz="2692" strike="noStrike" u="none">
+              <a:rPr lang="en-US" sz="2692" u="none" strike="noStrike" dirty="0">
                 <a:solidFill>
                   <a:srgbClr val="101010"/>
                 </a:solidFill>
@@ -11702,19 +11978,40 @@
                 <a:cs typeface="Montserrat"/>
                 <a:sym typeface="Montserrat"/>
               </a:rPr>
-              <a:t> de colisões</a:t>
+              <a:t> de </a:t>
             </a:r>
+            <a:r>
+              <a:rPr lang="en-US" sz="2692" u="none" strike="noStrike" dirty="0" err="1">
+                <a:solidFill>
+                  <a:srgbClr val="101010"/>
+                </a:solidFill>
+                <a:latin typeface="Montserrat"/>
+                <a:ea typeface="Montserrat"/>
+                <a:cs typeface="Montserrat"/>
+                <a:sym typeface="Montserrat"/>
+              </a:rPr>
+              <a:t>colisões</a:t>
+            </a:r>
+            <a:endParaRPr lang="en-US" sz="2692" u="none" strike="noStrike" dirty="0">
+              <a:solidFill>
+                <a:srgbClr val="101010"/>
+              </a:solidFill>
+              <a:latin typeface="Montserrat"/>
+              <a:ea typeface="Montserrat"/>
+              <a:cs typeface="Montserrat"/>
+              <a:sym typeface="Montserrat"/>
+            </a:endParaRPr>
           </a:p>
         </p:txBody>
       </p:sp>
       <p:sp>
         <p:nvSpPr>
-          <p:cNvPr name="TextBox 17" id="17"/>
-          <p:cNvSpPr txBox="true"/>
+          <p:cNvPr id="17" name="TextBox 17"/>
+          <p:cNvSpPr txBox="1"/>
           <p:nvPr/>
         </p:nvSpPr>
         <p:spPr>
-          <a:xfrm rot="0">
+          <a:xfrm>
             <a:off x="9168128" y="4515780"/>
             <a:ext cx="3976966" cy="931730"/>
           </a:xfrm>
@@ -11723,12 +12020,12 @@
           </a:prstGeom>
         </p:spPr>
         <p:txBody>
-          <a:bodyPr anchor="t" rtlCol="false" tIns="0" lIns="0" bIns="0" rIns="0">
+          <a:bodyPr lIns="0" tIns="0" rIns="0" bIns="0" rtlCol="0" anchor="t">
             <a:spAutoFit/>
           </a:bodyPr>
           <a:lstStyle/>
           <a:p>
-            <a:pPr algn="l" marL="0" indent="0" lvl="0">
+            <a:pPr marL="0" lvl="0" indent="0" algn="l">
               <a:lnSpc>
                 <a:spcPts val="3769"/>
               </a:lnSpc>
@@ -11737,7 +12034,7 @@
               </a:spcBef>
             </a:pPr>
             <a:r>
-              <a:rPr lang="en-US" sz="2692">
+              <a:rPr lang="en-US" sz="2692" dirty="0" err="1">
                 <a:solidFill>
                   <a:srgbClr val="101010"/>
                 </a:solidFill>
@@ -11746,19 +12043,103 @@
                 <a:cs typeface="Montserrat"/>
                 <a:sym typeface="Montserrat"/>
               </a:rPr>
-              <a:t>Geração de obstáculos (cubos vermelhos)</a:t>
+              <a:t>Geração</a:t>
+            </a:r>
+            <a:r>
+              <a:rPr lang="en-US" sz="2692" dirty="0">
+                <a:solidFill>
+                  <a:srgbClr val="101010"/>
+                </a:solidFill>
+                <a:latin typeface="Montserrat"/>
+                <a:ea typeface="Montserrat"/>
+                <a:cs typeface="Montserrat"/>
+                <a:sym typeface="Montserrat"/>
+              </a:rPr>
+              <a:t> de </a:t>
+            </a:r>
+            <a:r>
+              <a:rPr lang="en-US" sz="2692" dirty="0" err="1">
+                <a:solidFill>
+                  <a:srgbClr val="101010"/>
+                </a:solidFill>
+                <a:latin typeface="Montserrat"/>
+                <a:ea typeface="Montserrat"/>
+                <a:cs typeface="Montserrat"/>
+                <a:sym typeface="Montserrat"/>
+              </a:rPr>
+              <a:t>obstáculos</a:t>
+            </a:r>
+            <a:r>
+              <a:rPr lang="en-US" sz="2692" dirty="0">
+                <a:solidFill>
+                  <a:srgbClr val="101010"/>
+                </a:solidFill>
+                <a:latin typeface="Montserrat"/>
+                <a:ea typeface="Montserrat"/>
+                <a:cs typeface="Montserrat"/>
+                <a:sym typeface="Montserrat"/>
+              </a:rPr>
+              <a:t> (</a:t>
+            </a:r>
+            <a:r>
+              <a:rPr lang="en-US" sz="2692" dirty="0" err="1">
+                <a:solidFill>
+                  <a:srgbClr val="101010"/>
+                </a:solidFill>
+                <a:latin typeface="Montserrat"/>
+                <a:ea typeface="Montserrat"/>
+                <a:cs typeface="Montserrat"/>
+                <a:sym typeface="Montserrat"/>
+              </a:rPr>
+              <a:t>cubos</a:t>
+            </a:r>
+            <a:r>
+              <a:rPr lang="en-US" sz="2692" dirty="0">
+                <a:solidFill>
+                  <a:srgbClr val="101010"/>
+                </a:solidFill>
+                <a:latin typeface="Montserrat"/>
+                <a:ea typeface="Montserrat"/>
+                <a:cs typeface="Montserrat"/>
+                <a:sym typeface="Montserrat"/>
+              </a:rPr>
+              <a:t> </a:t>
+            </a:r>
+            <a:r>
+              <a:rPr lang="en-US" sz="2692" dirty="0" err="1">
+                <a:solidFill>
+                  <a:srgbClr val="101010"/>
+                </a:solidFill>
+                <a:latin typeface="Montserrat"/>
+                <a:ea typeface="Montserrat"/>
+                <a:cs typeface="Montserrat"/>
+                <a:sym typeface="Montserrat"/>
+              </a:rPr>
+              <a:t>vermelhos</a:t>
+            </a:r>
+            <a:r>
+              <a:rPr lang="en-US" sz="2692" dirty="0">
+                <a:solidFill>
+                  <a:srgbClr val="101010"/>
+                </a:solidFill>
+                <a:latin typeface="Montserrat"/>
+                <a:ea typeface="Montserrat"/>
+                <a:cs typeface="Montserrat"/>
+                <a:sym typeface="Montserrat"/>
+              </a:rPr>
+              <a:t>)</a:t>
             </a:r>
           </a:p>
         </p:txBody>
       </p:sp>
       <p:sp>
         <p:nvSpPr>
-          <p:cNvPr name="TextBox 18" id="18"/>
-          <p:cNvSpPr txBox="true"/>
+          <p:cNvPr id="18" name="TextBox 18"/>
+          <p:cNvSpPr txBox="1"/>
           <p:nvPr/>
         </p:nvSpPr>
         <p:spPr>
-          <a:xfrm rot="0">
+          <a:xfrm>
             <a:off x="8507712" y="7411546"/>
             <a:ext cx="5127275" cy="455480"/>
           </a:xfrm>
@@ -11767,12 +12148,12 @@
           </a:prstGeom>
         </p:spPr>
         <p:txBody>
-          <a:bodyPr anchor="t" rtlCol="false" tIns="0" lIns="0" bIns="0" rIns="0">
+          <a:bodyPr lIns="0" tIns="0" rIns="0" bIns="0" rtlCol="0" anchor="t">
             <a:spAutoFit/>
           </a:bodyPr>
           <a:lstStyle/>
           <a:p>
-            <a:pPr algn="l" marL="0" indent="0" lvl="0">
+            <a:pPr marL="0" lvl="0" indent="0" algn="l">
               <a:lnSpc>
                 <a:spcPts val="3769"/>
               </a:lnSpc>
@@ -11781,7 +12162,7 @@
               </a:spcBef>
             </a:pPr>
             <a:r>
-              <a:rPr lang="en-US" sz="2692">
+              <a:rPr lang="en-US" sz="2692" dirty="0" err="1">
                 <a:solidFill>
                   <a:srgbClr val="101010"/>
                 </a:solidFill>
@@ -11793,7 +12174,7 @@
               <a:t>Cenár</a:t>
             </a:r>
             <a:r>
-              <a:rPr lang="en-US" sz="2692" strike="noStrike" u="none">
+              <a:rPr lang="en-US" sz="2692" u="none" strike="noStrike" dirty="0" err="1">
                 <a:solidFill>
                   <a:srgbClr val="101010"/>
                 </a:solidFill>
@@ -11802,19 +12183,76 @@
                 <a:cs typeface="Montserrat"/>
                 <a:sym typeface="Montserrat"/>
               </a:rPr>
-              <a:t>io de fim de jogo</a:t>
+              <a:t>io</a:t>
             </a:r>
+            <a:r>
+              <a:rPr lang="en-US" sz="2692" u="none" strike="noStrike" dirty="0">
+                <a:solidFill>
+                  <a:srgbClr val="101010"/>
+                </a:solidFill>
+                <a:latin typeface="Montserrat"/>
+                <a:ea typeface="Montserrat"/>
+                <a:cs typeface="Montserrat"/>
+                <a:sym typeface="Montserrat"/>
+              </a:rPr>
+              <a:t> de </a:t>
+            </a:r>
+            <a:r>
+              <a:rPr lang="en-US" sz="2692" u="none" strike="noStrike" dirty="0" err="1">
+                <a:solidFill>
+                  <a:srgbClr val="101010"/>
+                </a:solidFill>
+                <a:latin typeface="Montserrat"/>
+                <a:ea typeface="Montserrat"/>
+                <a:cs typeface="Montserrat"/>
+                <a:sym typeface="Montserrat"/>
+              </a:rPr>
+              <a:t>fim</a:t>
+            </a:r>
+            <a:r>
+              <a:rPr lang="en-US" sz="2692" u="none" strike="noStrike" dirty="0">
+                <a:solidFill>
+                  <a:srgbClr val="101010"/>
+                </a:solidFill>
+                <a:latin typeface="Montserrat"/>
+                <a:ea typeface="Montserrat"/>
+                <a:cs typeface="Montserrat"/>
+                <a:sym typeface="Montserrat"/>
+              </a:rPr>
+              <a:t> de </a:t>
+            </a:r>
+            <a:r>
+              <a:rPr lang="en-US" sz="2692" u="none" strike="noStrike" dirty="0" err="1">
+                <a:solidFill>
+                  <a:srgbClr val="101010"/>
+                </a:solidFill>
+                <a:latin typeface="Montserrat"/>
+                <a:ea typeface="Montserrat"/>
+                <a:cs typeface="Montserrat"/>
+                <a:sym typeface="Montserrat"/>
+              </a:rPr>
+              <a:t>jogo</a:t>
+            </a:r>
+            <a:endParaRPr lang="en-US" sz="2692" u="none" strike="noStrike" dirty="0">
+              <a:solidFill>
+                <a:srgbClr val="101010"/>
+              </a:solidFill>
+              <a:latin typeface="Montserrat"/>
+              <a:ea typeface="Montserrat"/>
+              <a:cs typeface="Montserrat"/>
+              <a:sym typeface="Montserrat"/>
+            </a:endParaRPr>
           </a:p>
         </p:txBody>
       </p:sp>
       <p:sp>
         <p:nvSpPr>
-          <p:cNvPr name="TextBox 19" id="19"/>
-          <p:cNvSpPr txBox="true"/>
+          <p:cNvPr id="19" name="TextBox 19"/>
+          <p:cNvSpPr txBox="1"/>
           <p:nvPr/>
         </p:nvSpPr>
         <p:spPr>
-          <a:xfrm rot="0">
+          <a:xfrm>
             <a:off x="7307006" y="4417716"/>
             <a:ext cx="1320833" cy="969427"/>
           </a:xfrm>
@@ -11823,7 +12261,7 @@
           </a:prstGeom>
         </p:spPr>
         <p:txBody>
-          <a:bodyPr anchor="t" rtlCol="false" tIns="0" lIns="0" bIns="0" rIns="0">
+          <a:bodyPr lIns="0" tIns="0" rIns="0" bIns="0" rtlCol="0" anchor="t">
             <a:spAutoFit/>
           </a:bodyPr>
           <a:lstStyle/>
@@ -11834,7 +12272,7 @@
               </a:lnSpc>
             </a:pPr>
             <a:r>
-              <a:rPr lang="en-US" sz="5670" b="true">
+              <a:rPr lang="en-US" sz="5670" b="1">
                 <a:solidFill>
                   <a:srgbClr val="FFFFFF"/>
                 </a:solidFill>
@@ -11850,12 +12288,12 @@
       </p:sp>
       <p:sp>
         <p:nvSpPr>
-          <p:cNvPr name="TextBox 20" id="20"/>
-          <p:cNvSpPr txBox="true"/>
+          <p:cNvPr id="20" name="TextBox 20"/>
+          <p:cNvSpPr txBox="1"/>
           <p:nvPr/>
         </p:nvSpPr>
         <p:spPr>
-          <a:xfrm rot="0">
+          <a:xfrm>
             <a:off x="6646590" y="7121235"/>
             <a:ext cx="1320833" cy="969427"/>
           </a:xfrm>
@@ -11864,7 +12302,7 @@
           </a:prstGeom>
         </p:spPr>
         <p:txBody>
-          <a:bodyPr anchor="t" rtlCol="false" tIns="0" lIns="0" bIns="0" rIns="0">
+          <a:bodyPr lIns="0" tIns="0" rIns="0" bIns="0" rtlCol="0" anchor="t">
             <a:spAutoFit/>
           </a:bodyPr>
           <a:lstStyle/>
@@ -11875,7 +12313,7 @@
               </a:lnSpc>
             </a:pPr>
             <a:r>
-              <a:rPr lang="en-US" sz="5670" b="true">
+              <a:rPr lang="en-US" sz="5670" b="1">
                 <a:solidFill>
                   <a:srgbClr val="FFFFFF"/>
                 </a:solidFill>
@@ -11891,12 +12329,12 @@
       </p:sp>
       <p:grpSp>
         <p:nvGrpSpPr>
-          <p:cNvPr name="Group 21" id="21"/>
+          <p:cNvPr id="21" name="Group 21"/>
           <p:cNvGrpSpPr/>
           <p:nvPr/>
         </p:nvGrpSpPr>
         <p:grpSpPr>
-          <a:xfrm rot="0">
+          <a:xfrm>
             <a:off x="5600589" y="6557962"/>
             <a:ext cx="457877" cy="457877"/>
             <a:chOff x="0" y="0"/>
@@ -11905,12 +12343,12 @@
         </p:grpSpPr>
         <p:sp>
           <p:nvSpPr>
-            <p:cNvPr name="Freeform 22" id="22"/>
+            <p:cNvPr id="22" name="Freeform 22"/>
             <p:cNvSpPr/>
             <p:nvPr/>
           </p:nvSpPr>
           <p:spPr>
-            <a:xfrm flipH="false" flipV="false" rot="0">
+            <a:xfrm>
               <a:off x="0" y="0"/>
               <a:ext cx="812800" cy="812800"/>
             </a:xfrm>
@@ -11919,9 +12357,9 @@
               <a:gdLst/>
               <a:ahLst/>
               <a:cxnLst/>
-              <a:rect r="r" b="b" t="t" l="l"/>
+              <a:rect l="l" t="t" r="r" b="b"/>
               <a:pathLst>
-                <a:path h="812800" w="812800">
+                <a:path w="812800" h="812800">
                   <a:moveTo>
                     <a:pt x="406400" y="0"/>
                   </a:moveTo>
@@ -11949,7 +12387,7 @@
                 </a:path>
               </a:pathLst>
             </a:custGeom>
-            <a:gradFill rotWithShape="true">
+            <a:gradFill rotWithShape="1">
               <a:gsLst>
                 <a:gs pos="0">
                   <a:srgbClr val="F600FE">
@@ -11978,9 +12416,9 @@
                 </a:gs>
               </a:gsLst>
               <a:path path="circle">
-                <a:fillToRect l="0" r="100000" t="0" b="100000"/>
+                <a:fillToRect r="100000" b="100000"/>
               </a:path>
-              <a:tileRect r="0" l="-100000" b="0" t="-100000"/>
+              <a:tileRect l="-100000" t="-100000"/>
             </a:gradFill>
             <a:ln w="38100" cap="sq">
               <a:solidFill>
@@ -11990,11 +12428,18 @@
               <a:miter/>
             </a:ln>
           </p:spPr>
+          <p:txBody>
+            <a:bodyPr/>
+            <a:lstStyle/>
+            <a:p>
+              <a:endParaRPr lang="pt-PT"/>
+            </a:p>
+          </p:txBody>
         </p:sp>
         <p:sp>
           <p:nvSpPr>
-            <p:cNvPr name="TextBox 23" id="23"/>
-            <p:cNvSpPr txBox="true"/>
+            <p:cNvPr id="23" name="TextBox 23"/>
+            <p:cNvSpPr txBox="1"/>
             <p:nvPr/>
           </p:nvSpPr>
           <p:spPr>
@@ -12007,7 +12452,7 @@
             </a:prstGeom>
           </p:spPr>
           <p:txBody>
-            <a:bodyPr anchor="ctr" rtlCol="false" tIns="0" lIns="0" bIns="0" rIns="0"/>
+            <a:bodyPr lIns="0" tIns="0" rIns="0" bIns="0" rtlCol="0" anchor="ctr"/>
             <a:lstStyle/>
             <a:p>
               <a:pPr algn="ctr">
@@ -12015,18 +12460,19 @@
                   <a:spcPts val="3640"/>
                 </a:lnSpc>
               </a:pPr>
+              <a:endParaRPr/>
             </a:p>
           </p:txBody>
         </p:sp>
       </p:grpSp>
       <p:grpSp>
         <p:nvGrpSpPr>
-          <p:cNvPr name="Group 24" id="24"/>
+          <p:cNvPr id="24" name="Group 24"/>
           <p:cNvGrpSpPr/>
           <p:nvPr/>
         </p:nvGrpSpPr>
         <p:grpSpPr>
-          <a:xfrm rot="0">
+          <a:xfrm>
             <a:off x="6172252" y="4959580"/>
             <a:ext cx="457877" cy="457877"/>
             <a:chOff x="0" y="0"/>
@@ -12035,12 +12481,12 @@
         </p:grpSpPr>
         <p:sp>
           <p:nvSpPr>
-            <p:cNvPr name="Freeform 25" id="25"/>
+            <p:cNvPr id="25" name="Freeform 25"/>
             <p:cNvSpPr/>
             <p:nvPr/>
           </p:nvSpPr>
           <p:spPr>
-            <a:xfrm flipH="false" flipV="false" rot="0">
+            <a:xfrm>
               <a:off x="0" y="0"/>
               <a:ext cx="812800" cy="812800"/>
             </a:xfrm>
@@ -12049,9 +12495,9 @@
               <a:gdLst/>
               <a:ahLst/>
               <a:cxnLst/>
-              <a:rect r="r" b="b" t="t" l="l"/>
+              <a:rect l="l" t="t" r="r" b="b"/>
               <a:pathLst>
-                <a:path h="812800" w="812800">
+                <a:path w="812800" h="812800">
                   <a:moveTo>
                     <a:pt x="406400" y="0"/>
                   </a:moveTo>
@@ -12079,7 +12525,7 @@
                 </a:path>
               </a:pathLst>
             </a:custGeom>
-            <a:gradFill rotWithShape="true">
+            <a:gradFill rotWithShape="1">
               <a:gsLst>
                 <a:gs pos="0">
                   <a:srgbClr val="F600FE">
@@ -12108,9 +12554,9 @@
                 </a:gs>
               </a:gsLst>
               <a:path path="circle">
-                <a:fillToRect l="0" r="100000" t="0" b="100000"/>
+                <a:fillToRect r="100000" b="100000"/>
               </a:path>
-              <a:tileRect r="0" l="-100000" b="0" t="-100000"/>
+              <a:tileRect l="-100000" t="-100000"/>
             </a:gradFill>
             <a:ln w="38100" cap="sq">
               <a:solidFill>
@@ -12120,11 +12566,18 @@
               <a:miter/>
             </a:ln>
           </p:spPr>
+          <p:txBody>
+            <a:bodyPr/>
+            <a:lstStyle/>
+            <a:p>
+              <a:endParaRPr lang="pt-PT"/>
+            </a:p>
+          </p:txBody>
         </p:sp>
         <p:sp>
           <p:nvSpPr>
-            <p:cNvPr name="TextBox 26" id="26"/>
-            <p:cNvSpPr txBox="true"/>
+            <p:cNvPr id="26" name="TextBox 26"/>
+            <p:cNvSpPr txBox="1"/>
             <p:nvPr/>
           </p:nvSpPr>
           <p:spPr>
@@ -12137,7 +12590,7 @@
             </a:prstGeom>
           </p:spPr>
           <p:txBody>
-            <a:bodyPr anchor="ctr" rtlCol="false" tIns="0" lIns="0" bIns="0" rIns="0"/>
+            <a:bodyPr lIns="0" tIns="0" rIns="0" bIns="0" rtlCol="0" anchor="ctr"/>
             <a:lstStyle/>
             <a:p>
               <a:pPr algn="ctr">
@@ -12145,18 +12598,19 @@
                   <a:spcPts val="3640"/>
                 </a:lnSpc>
               </a:pPr>
+              <a:endParaRPr/>
             </a:p>
           </p:txBody>
         </p:sp>
       </p:grpSp>
       <p:grpSp>
         <p:nvGrpSpPr>
-          <p:cNvPr name="Group 27" id="27"/>
+          <p:cNvPr id="27" name="Group 27"/>
           <p:cNvGrpSpPr/>
           <p:nvPr/>
         </p:nvGrpSpPr>
         <p:grpSpPr>
-          <a:xfrm rot="0">
+          <a:xfrm>
             <a:off x="5600589" y="3271161"/>
             <a:ext cx="457877" cy="457877"/>
             <a:chOff x="0" y="0"/>
@@ -12165,12 +12619,12 @@
         </p:grpSpPr>
         <p:sp>
           <p:nvSpPr>
-            <p:cNvPr name="Freeform 28" id="28"/>
+            <p:cNvPr id="28" name="Freeform 28"/>
             <p:cNvSpPr/>
             <p:nvPr/>
           </p:nvSpPr>
           <p:spPr>
-            <a:xfrm flipH="false" flipV="false" rot="0">
+            <a:xfrm>
               <a:off x="0" y="0"/>
               <a:ext cx="812800" cy="812800"/>
             </a:xfrm>
@@ -12179,9 +12633,9 @@
               <a:gdLst/>
               <a:ahLst/>
               <a:cxnLst/>
-              <a:rect r="r" b="b" t="t" l="l"/>
+              <a:rect l="l" t="t" r="r" b="b"/>
               <a:pathLst>
-                <a:path h="812800" w="812800">
+                <a:path w="812800" h="812800">
                   <a:moveTo>
                     <a:pt x="406400" y="0"/>
                   </a:moveTo>
@@ -12209,7 +12663,7 @@
                 </a:path>
               </a:pathLst>
             </a:custGeom>
-            <a:gradFill rotWithShape="true">
+            <a:gradFill rotWithShape="1">
               <a:gsLst>
                 <a:gs pos="0">
                   <a:srgbClr val="F600FE">
@@ -12238,9 +12692,9 @@
                 </a:gs>
               </a:gsLst>
               <a:path path="circle">
-                <a:fillToRect l="0" r="100000" t="0" b="100000"/>
+                <a:fillToRect r="100000" b="100000"/>
               </a:path>
-              <a:tileRect r="0" l="-100000" b="0" t="-100000"/>
+              <a:tileRect l="-100000" t="-100000"/>
             </a:gradFill>
             <a:ln w="38100" cap="sq">
               <a:solidFill>
@@ -12250,11 +12704,18 @@
               <a:miter/>
             </a:ln>
           </p:spPr>
+          <p:txBody>
+            <a:bodyPr/>
+            <a:lstStyle/>
+            <a:p>
+              <a:endParaRPr lang="pt-PT"/>
+            </a:p>
+          </p:txBody>
         </p:sp>
         <p:sp>
           <p:nvSpPr>
-            <p:cNvPr name="TextBox 29" id="29"/>
-            <p:cNvSpPr txBox="true"/>
+            <p:cNvPr id="29" name="TextBox 29"/>
+            <p:cNvSpPr txBox="1"/>
             <p:nvPr/>
           </p:nvSpPr>
           <p:spPr>
@@ -12267,7 +12728,7 @@
             </a:prstGeom>
           </p:spPr>
           <p:txBody>
-            <a:bodyPr anchor="ctr" rtlCol="false" tIns="0" lIns="0" bIns="0" rIns="0"/>
+            <a:bodyPr lIns="0" tIns="0" rIns="0" bIns="0" rtlCol="0" anchor="ctr"/>
             <a:lstStyle/>
             <a:p>
               <a:pPr algn="ctr">
@@ -12275,18 +12736,19 @@
                   <a:spcPts val="3640"/>
                 </a:lnSpc>
               </a:pPr>
+              <a:endParaRPr/>
             </a:p>
           </p:txBody>
         </p:sp>
       </p:grpSp>
       <p:sp>
         <p:nvSpPr>
-          <p:cNvPr name="Freeform 30" id="30"/>
+          <p:cNvPr id="30" name="Freeform 30"/>
           <p:cNvSpPr/>
           <p:nvPr/>
         </p:nvSpPr>
         <p:spPr>
-          <a:xfrm flipH="false" flipV="false" rot="-1898322">
+          <a:xfrm rot="-1898322">
             <a:off x="-1987267" y="8095155"/>
             <a:ext cx="4891502" cy="4903762"/>
           </a:xfrm>
@@ -12295,9 +12757,9 @@
             <a:gdLst/>
             <a:ahLst/>
             <a:cxnLst/>
-            <a:rect r="r" b="b" t="t" l="l"/>
+            <a:rect l="l" t="t" r="r" b="b"/>
             <a:pathLst>
-              <a:path h="4903762" w="4891502">
+              <a:path w="4891502" h="4903762">
                 <a:moveTo>
                   <a:pt x="0" y="0"/>
                 </a:moveTo>
@@ -12320,10 +12782,17 @@
           <a:blipFill>
             <a:blip r:embed="rId2"/>
             <a:stretch>
-              <a:fillRect l="0" t="0" r="0" b="0"/>
+              <a:fillRect/>
             </a:stretch>
           </a:blipFill>
         </p:spPr>
+        <p:txBody>
+          <a:bodyPr/>
+          <a:lstStyle/>
+          <a:p>
+            <a:endParaRPr lang="pt-PT"/>
+          </a:p>
+        </p:txBody>
       </p:sp>
     </p:spTree>
   </p:cSld>
@@ -12334,7 +12803,7 @@
 </file>
 
 <file path=ppt/slides/slide5.xml><?xml version="1.0" encoding="utf-8"?>
-<p:sld xmlns:p="http://schemas.openxmlformats.org/presentationml/2006/main" xmlns:a="http://schemas.openxmlformats.org/drawingml/2006/main" xmlns:r="http://schemas.openxmlformats.org/officeDocument/2006/relationships">
+<p:sld xmlns:a="http://schemas.openxmlformats.org/drawingml/2006/main" xmlns:r="http://schemas.openxmlformats.org/officeDocument/2006/relationships" xmlns:p="http://schemas.openxmlformats.org/presentationml/2006/main">
   <p:cSld>
     <p:spTree>
       <p:nvGrpSpPr>
@@ -12352,12 +12821,12 @@
       </p:grpSpPr>
       <p:sp>
         <p:nvSpPr>
-          <p:cNvPr name="Freeform 2" id="2"/>
+          <p:cNvPr id="2" name="Freeform 2"/>
           <p:cNvSpPr/>
           <p:nvPr/>
         </p:nvSpPr>
         <p:spPr>
-          <a:xfrm flipH="false" flipV="false" rot="-1898322">
+          <a:xfrm rot="-1898322">
             <a:off x="13299669" y="5075791"/>
             <a:ext cx="8700980" cy="8722787"/>
           </a:xfrm>
@@ -12366,9 +12835,9 @@
             <a:gdLst/>
             <a:ahLst/>
             <a:cxnLst/>
-            <a:rect r="r" b="b" t="t" l="l"/>
+            <a:rect l="l" t="t" r="r" b="b"/>
             <a:pathLst>
-              <a:path h="8722787" w="8700980">
+              <a:path w="8700980" h="8722787">
                 <a:moveTo>
                   <a:pt x="0" y="0"/>
                 </a:moveTo>
@@ -12391,19 +12860,26 @@
           <a:blipFill>
             <a:blip r:embed="rId2"/>
             <a:stretch>
-              <a:fillRect l="0" t="0" r="0" b="0"/>
+              <a:fillRect/>
             </a:stretch>
           </a:blipFill>
         </p:spPr>
+        <p:txBody>
+          <a:bodyPr/>
+          <a:lstStyle/>
+          <a:p>
+            <a:endParaRPr lang="pt-PT"/>
+          </a:p>
+        </p:txBody>
       </p:sp>
       <p:sp>
         <p:nvSpPr>
-          <p:cNvPr name="Freeform 3" id="3"/>
+          <p:cNvPr id="3" name="Freeform 3"/>
           <p:cNvSpPr/>
           <p:nvPr/>
         </p:nvSpPr>
         <p:spPr>
-          <a:xfrm flipH="false" flipV="false" rot="-1898322">
+          <a:xfrm rot="-1898322">
             <a:off x="-3784911" y="-3899454"/>
             <a:ext cx="8700980" cy="8722787"/>
           </a:xfrm>
@@ -12412,9 +12888,9 @@
             <a:gdLst/>
             <a:ahLst/>
             <a:cxnLst/>
-            <a:rect r="r" b="b" t="t" l="l"/>
+            <a:rect l="l" t="t" r="r" b="b"/>
             <a:pathLst>
-              <a:path h="8722787" w="8700980">
+              <a:path w="8700980" h="8722787">
                 <a:moveTo>
                   <a:pt x="0" y="0"/>
                 </a:moveTo>
@@ -12437,19 +12913,26 @@
           <a:blipFill>
             <a:blip r:embed="rId2"/>
             <a:stretch>
-              <a:fillRect l="0" t="0" r="0" b="0"/>
+              <a:fillRect/>
             </a:stretch>
           </a:blipFill>
         </p:spPr>
+        <p:txBody>
+          <a:bodyPr/>
+          <a:lstStyle/>
+          <a:p>
+            <a:endParaRPr lang="pt-PT"/>
+          </a:p>
+        </p:txBody>
       </p:sp>
       <p:sp>
         <p:nvSpPr>
-          <p:cNvPr name="TextBox 4" id="4"/>
-          <p:cNvSpPr txBox="true"/>
+          <p:cNvPr id="4" name="TextBox 4"/>
+          <p:cNvSpPr txBox="1"/>
           <p:nvPr/>
         </p:nvSpPr>
         <p:spPr>
-          <a:xfrm rot="0">
+          <a:xfrm>
             <a:off x="6881419" y="4354503"/>
             <a:ext cx="4525163" cy="1577994"/>
           </a:xfrm>
@@ -12458,7 +12941,7 @@
           </a:prstGeom>
         </p:spPr>
         <p:txBody>
-          <a:bodyPr anchor="t" rtlCol="false" tIns="0" lIns="0" bIns="0" rIns="0">
+          <a:bodyPr lIns="0" tIns="0" rIns="0" bIns="0" rtlCol="0" anchor="t">
             <a:spAutoFit/>
           </a:bodyPr>
           <a:lstStyle/>
@@ -12469,7 +12952,7 @@
               </a:lnSpc>
             </a:pPr>
             <a:r>
-              <a:rPr lang="en-US" sz="10424" b="true">
+              <a:rPr lang="en-US" sz="10424" b="1">
                 <a:solidFill>
                   <a:srgbClr val="000000"/>
                 </a:solidFill>
